--- a/API.pptx
+++ b/API.pptx
@@ -5444,7 +5444,7 @@
                       </a:pPr>
                       <a:r>
                         <a:rPr lang="x-none"/>
-                        <a:t>    "MataData":{</a:t>
+                        <a:t>    "mataData":{</a:t>
                       </a:r>
                       <a:endParaRPr lang="x-none"/>
                     </a:p>
@@ -5473,8 +5473,20 @@
                         <a:buNone/>
                       </a:pPr>
                       <a:r>
-                        <a:rPr lang="x-none"/>
-                        <a:t>    "Status":{</a:t>
+                        <a:rPr lang="x-none" sz="1800">
+                          <a:sym typeface="+mn-ea"/>
+                        </a:rPr>
+                        <a:t>    "token":"testToken"</a:t>
+                      </a:r>
+                      <a:endParaRPr lang="x-none"/>
+                    </a:p>
+                    <a:p>
+                      <a:pPr>
+                        <a:buNone/>
+                      </a:pPr>
+                      <a:r>
+                        <a:rPr lang="x-none"/>
+                        <a:t>    "status":{</a:t>
                       </a:r>
                       <a:endParaRPr lang="x-none"/>
                     </a:p>

--- a/API.pptx
+++ b/API.pptx
@@ -2899,7 +2899,7 @@
         <a:spcBef>
           <a:spcPts val="1000"/>
         </a:spcBef>
-        <a:buFont typeface="Arial" charset="0"/>
+        <a:buFont typeface="Arial" panose="02080604020202020204" charset="0"/>
         <a:buChar char="•"/>
         <a:defRPr sz="2800" kern="1200">
           <a:solidFill>
@@ -2917,7 +2917,7 @@
         <a:spcBef>
           <a:spcPts val="500"/>
         </a:spcBef>
-        <a:buFont typeface="Arial" charset="0"/>
+        <a:buFont typeface="Arial" panose="02080604020202020204" charset="0"/>
         <a:buChar char="•"/>
         <a:defRPr sz="2400" kern="1200">
           <a:solidFill>
@@ -2935,7 +2935,7 @@
         <a:spcBef>
           <a:spcPts val="500"/>
         </a:spcBef>
-        <a:buFont typeface="Arial" charset="0"/>
+        <a:buFont typeface="Arial" panose="02080604020202020204" charset="0"/>
         <a:buChar char="•"/>
         <a:defRPr sz="2000" kern="1200">
           <a:solidFill>
@@ -2953,7 +2953,7 @@
         <a:spcBef>
           <a:spcPts val="500"/>
         </a:spcBef>
-        <a:buFont typeface="Arial" charset="0"/>
+        <a:buFont typeface="Arial" panose="02080604020202020204" charset="0"/>
         <a:buChar char="•"/>
         <a:defRPr sz="1800" kern="1200">
           <a:solidFill>
@@ -2971,7 +2971,7 @@
         <a:spcBef>
           <a:spcPts val="500"/>
         </a:spcBef>
-        <a:buFont typeface="Arial" charset="0"/>
+        <a:buFont typeface="Arial" panose="02080604020202020204" charset="0"/>
         <a:buChar char="•"/>
         <a:defRPr sz="1800" kern="1200">
           <a:solidFill>
@@ -2989,7 +2989,7 @@
         <a:spcBef>
           <a:spcPts val="500"/>
         </a:spcBef>
-        <a:buFont typeface="Arial" charset="0"/>
+        <a:buFont typeface="Arial" panose="02080604020202020204" charset="0"/>
         <a:buChar char="•"/>
         <a:defRPr sz="1800" kern="1200">
           <a:solidFill>
@@ -3007,7 +3007,7 @@
         <a:spcBef>
           <a:spcPts val="500"/>
         </a:spcBef>
-        <a:buFont typeface="Arial" charset="0"/>
+        <a:buFont typeface="Arial" panose="02080604020202020204" charset="0"/>
         <a:buChar char="•"/>
         <a:defRPr sz="1800" kern="1200">
           <a:solidFill>
@@ -3025,7 +3025,7 @@
         <a:spcBef>
           <a:spcPts val="500"/>
         </a:spcBef>
-        <a:buFont typeface="Arial" charset="0"/>
+        <a:buFont typeface="Arial" panose="02080604020202020204" charset="0"/>
         <a:buChar char="•"/>
         <a:defRPr sz="1800" kern="1200">
           <a:solidFill>
@@ -3043,7 +3043,7 @@
         <a:spcBef>
           <a:spcPts val="500"/>
         </a:spcBef>
-        <a:buFont typeface="Arial" charset="0"/>
+        <a:buFont typeface="Arial" panose="02080604020202020204" charset="0"/>
         <a:buChar char="•"/>
         <a:defRPr sz="1800" kern="1200">
           <a:solidFill>
@@ -3190,7 +3190,7 @@
           </a:bodyPr>
           <a:p>
             <a:pPr marL="285750" lvl="0" indent="-285750">
-              <a:buFont typeface="Arial" charset="0"/>
+              <a:buFont typeface="Arial" panose="02080604020202020204" charset="0"/>
               <a:buChar char="•"/>
             </a:pPr>
             <a:r>
@@ -3207,7 +3207,7 @@
           </a:p>
           <a:p>
             <a:pPr marL="285750" lvl="0" indent="-285750">
-              <a:buFont typeface="Arial" charset="0"/>
+              <a:buFont typeface="Arial" panose="02080604020202020204" charset="0"/>
               <a:buChar char="•"/>
             </a:pPr>
             <a:r>
@@ -3224,7 +3224,7 @@
           </a:p>
           <a:p>
             <a:pPr marL="285750" lvl="0" indent="-285750">
-              <a:buFont typeface="Arial" charset="0"/>
+              <a:buFont typeface="Arial" panose="02080604020202020204" charset="0"/>
               <a:buChar char="•"/>
             </a:pPr>
             <a:r>
@@ -3241,7 +3241,7 @@
           </a:p>
           <a:p>
             <a:pPr marL="285750" lvl="0" indent="-285750">
-              <a:buFont typeface="Arial" charset="0"/>
+              <a:buFont typeface="Arial" panose="02080604020202020204" charset="0"/>
               <a:buChar char="•"/>
             </a:pPr>
             <a:r>
@@ -3258,7 +3258,7 @@
           </a:p>
           <a:p>
             <a:pPr marL="285750" lvl="0" indent="-285750">
-              <a:buFont typeface="Arial" charset="0"/>
+              <a:buFont typeface="Arial" panose="02080604020202020204" charset="0"/>
               <a:buChar char="•"/>
             </a:pPr>
             <a:r>
@@ -3275,7 +3275,7 @@
           </a:p>
           <a:p>
             <a:pPr marL="285750" lvl="0" indent="-285750">
-              <a:buFont typeface="Arial" charset="0"/>
+              <a:buFont typeface="Arial" panose="02080604020202020204" charset="0"/>
               <a:buChar char="•"/>
             </a:pPr>
             <a:r>
@@ -3361,7 +3361,7 @@
                       </a:pPr>
                       <a:r>
                         <a:rPr lang="x-none"/>
-                        <a:t>URL: /user/add</a:t>
+                        <a:t>URL: "/api/usr_add"</a:t>
                       </a:r>
                       <a:endParaRPr lang="x-none"/>
                     </a:p>
@@ -3509,69 +3509,129 @@
                       </a:pPr>
                       <a:r>
                         <a:rPr lang="x-none"/>
-                        <a:t>    "UserInfo":{</a:t>
-                      </a:r>
-                      <a:endParaRPr lang="x-none"/>
-                    </a:p>
-                    <a:p>
-                      <a:pPr>
-                        <a:buNone/>
-                      </a:pPr>
-                      <a:r>
-                        <a:rPr lang="x-none"/>
+                        <a:t>    </a:t>
+                      </a:r>
+                      <a:r>
+                        <a:rPr lang="x-none" sz="1800">
+                          <a:sym typeface="+mn-ea"/>
+                        </a:rPr>
+                        <a:t>"UserInfo":{</a:t>
+                      </a:r>
+                      <a:endParaRPr lang="x-none" sz="1800">
+                        <a:sym typeface="+mn-ea"/>
+                      </a:endParaRPr>
+                    </a:p>
+                    <a:p>
+                      <a:pPr>
+                        <a:buNone/>
+                      </a:pPr>
+                      <a:r>
+                        <a:rPr lang="x-none" sz="1800">
+                          <a:sym typeface="+mn-ea"/>
+                        </a:rPr>
                         <a:t>        "ID":"usrid",</a:t>
                       </a:r>
-                      <a:endParaRPr lang="x-none"/>
-                    </a:p>
-                    <a:p>
-                      <a:pPr>
-                        <a:buNone/>
-                      </a:pPr>
-                      <a:r>
-                        <a:rPr lang="x-none"/>
+                      <a:endParaRPr lang="x-none" sz="1800">
+                        <a:sym typeface="+mn-ea"/>
+                      </a:endParaRPr>
+                    </a:p>
+                    <a:p>
+                      <a:pPr>
+                        <a:buNone/>
+                      </a:pPr>
+                      <a:r>
+                        <a:rPr lang="x-none" sz="1800">
+                          <a:sym typeface="+mn-ea"/>
+                        </a:rPr>
                         <a:t>        "name":"usrname",</a:t>
                       </a:r>
-                      <a:endParaRPr lang="x-none"/>
-                    </a:p>
-                    <a:p>
-                      <a:pPr>
-                        <a:buNone/>
-                      </a:pPr>
-                      <a:r>
-                        <a:rPr lang="x-none"/>
+                      <a:endParaRPr lang="x-none" sz="1800">
+                        <a:sym typeface="+mn-ea"/>
+                      </a:endParaRPr>
+                    </a:p>
+                    <a:p>
+                      <a:pPr>
+                        <a:buNone/>
+                      </a:pPr>
+                      <a:r>
+                        <a:rPr lang="x-none" sz="1800">
+                          <a:sym typeface="+mn-ea"/>
+                        </a:rPr>
                         <a:t>        "password":"psw",</a:t>
                       </a:r>
-                      <a:endParaRPr lang="x-none"/>
-                    </a:p>
-                    <a:p>
-                      <a:pPr>
-                        <a:buNone/>
-                      </a:pPr>
-                      <a:r>
-                        <a:rPr lang="x-none"/>
-                        <a:t>        "Phone":"13412341234",</a:t>
-                      </a:r>
-                      <a:endParaRPr lang="x-none"/>
-                    </a:p>
-                    <a:p>
-                      <a:pPr>
-                        <a:buNone/>
-                      </a:pPr>
-                      <a:r>
-                        <a:rPr lang="x-none"/>
-                        <a:t>        "Email":"a@a.com",</a:t>
-                      </a:r>
-                      <a:endParaRPr lang="x-none"/>
-                    </a:p>
-                    <a:p>
-                      <a:pPr>
-                        <a:buNone/>
-                      </a:pPr>
-                      <a:r>
-                        <a:rPr lang="x-none"/>
+                      <a:endParaRPr lang="x-none" sz="1800">
+                        <a:sym typeface="+mn-ea"/>
+                      </a:endParaRPr>
+                    </a:p>
+                    <a:p>
+                      <a:pPr>
+                        <a:buNone/>
+                      </a:pPr>
+                      <a:r>
+                        <a:rPr lang="x-none" sz="1800">
+                          <a:sym typeface="+mn-ea"/>
+                        </a:rPr>
+                        <a:t>        "phone":"13412341234",</a:t>
+                      </a:r>
+                      <a:endParaRPr lang="x-none" sz="1800">
+                        <a:sym typeface="+mn-ea"/>
+                      </a:endParaRPr>
+                    </a:p>
+                    <a:p>
+                      <a:pPr>
+                        <a:buNone/>
+                      </a:pPr>
+                      <a:r>
+                        <a:rPr lang="x-none" sz="1800">
+                          <a:sym typeface="+mn-ea"/>
+                        </a:rPr>
+                        <a:t>        "email":"a@a.com",</a:t>
+                      </a:r>
+                      <a:endParaRPr lang="x-none" sz="1800">
+                        <a:sym typeface="+mn-ea"/>
+                      </a:endParaRPr>
+                    </a:p>
+                    <a:p>
+                      <a:pPr>
+                        <a:buNone/>
+                      </a:pPr>
+                      <a:r>
+                        <a:rPr lang="x-none" sz="1800">
+                          <a:sym typeface="+mn-ea"/>
+                        </a:rPr>
+                        <a:t>        "photo":"imgid",</a:t>
+                      </a:r>
+                      <a:endParaRPr lang="x-none" sz="1800">
+                        <a:sym typeface="+mn-ea"/>
+                      </a:endParaRPr>
+                    </a:p>
+                    <a:p>
+                      <a:pPr>
+                        <a:buNone/>
+                      </a:pPr>
+                      <a:r>
+                        <a:rPr lang="x-none" sz="1800">
+                          <a:sym typeface="+mn-ea"/>
+                        </a:rPr>
+                        <a:t>        "nickname":"nickname"</a:t>
+                      </a:r>
+                      <a:endParaRPr lang="x-none" sz="1800">
+                        <a:sym typeface="+mn-ea"/>
+                      </a:endParaRPr>
+                    </a:p>
+                    <a:p>
+                      <a:pPr>
+                        <a:buNone/>
+                      </a:pPr>
+                      <a:r>
+                        <a:rPr lang="x-none" sz="1800">
+                          <a:sym typeface="+mn-ea"/>
+                        </a:rPr>
                         <a:t>    }</a:t>
                       </a:r>
-                      <a:endParaRPr lang="x-none"/>
+                      <a:endParaRPr lang="x-none" sz="1800">
+                        <a:sym typeface="+mn-ea"/>
+                      </a:endParaRPr>
                     </a:p>
                     <a:p>
                       <a:pPr>
@@ -3744,10 +3804,10 @@
                         <a:buNone/>
                       </a:pPr>
                       <a:r>
-                        <a:rPr lang="x-none"/>
+                        <a:rPr lang="x-none" sz="1600"/>
                         <a:t>UserProfileCange</a:t>
                       </a:r>
-                      <a:endParaRPr lang="x-none"/>
+                      <a:endParaRPr lang="x-none" sz="1600"/>
                     </a:p>
                   </a:txBody>
                   <a:tcPr/>
@@ -3765,10 +3825,10 @@
                         <a:buNone/>
                       </a:pPr>
                       <a:r>
-                        <a:rPr lang="x-none"/>
-                        <a:t>URL:  /user/change</a:t>
-                      </a:r>
-                      <a:endParaRPr lang="x-none"/>
+                        <a:rPr lang="x-none" sz="1600"/>
+                        <a:t>URL:  /api/usr_update</a:t>
+                      </a:r>
+                      <a:endParaRPr lang="x-none" sz="1600"/>
                     </a:p>
                   </a:txBody>
                   <a:tcPr/>
@@ -3781,10 +3841,10 @@
                         <a:buNone/>
                       </a:pPr>
                       <a:r>
-                        <a:rPr lang="x-none"/>
+                        <a:rPr lang="x-none" sz="1600"/>
                         <a:t>Method: POST</a:t>
                       </a:r>
-                      <a:endParaRPr lang="x-none"/>
+                      <a:endParaRPr lang="x-none" sz="1600"/>
                     </a:p>
                   </a:txBody>
                   <a:tcPr/>
@@ -3799,20 +3859,20 @@
                         <a:buNone/>
                       </a:pPr>
                       <a:r>
-                        <a:rPr lang="x-none"/>
+                        <a:rPr lang="x-none" sz="1600"/>
                         <a:t>param:</a:t>
                       </a:r>
-                      <a:endParaRPr lang="x-none"/>
-                    </a:p>
-                    <a:p>
-                      <a:pPr>
-                        <a:buNone/>
-                      </a:pPr>
-                      <a:r>
-                        <a:rPr lang="x-none"/>
+                      <a:endParaRPr lang="x-none" sz="1600"/>
+                    </a:p>
+                    <a:p>
+                      <a:pPr>
+                        <a:buNone/>
+                      </a:pPr>
+                      <a:r>
+                        <a:rPr lang="x-none" sz="1600"/>
                         <a:t>userProfile</a:t>
                       </a:r>
-                      <a:endParaRPr lang="x-none"/>
+                      <a:endParaRPr lang="x-none" sz="1600"/>
                     </a:p>
                   </a:txBody>
                   <a:tcPr/>
@@ -3825,20 +3885,20 @@
                         <a:buNone/>
                       </a:pPr>
                       <a:r>
-                        <a:rPr lang="x-none"/>
+                        <a:rPr lang="x-none" sz="1600"/>
                         <a:t>return</a:t>
                       </a:r>
-                      <a:endParaRPr lang="x-none"/>
-                    </a:p>
-                    <a:p>
-                      <a:pPr>
-                        <a:buNone/>
-                      </a:pPr>
-                      <a:r>
-                        <a:rPr lang="x-none"/>
+                      <a:endParaRPr lang="x-none" sz="1600"/>
+                    </a:p>
+                    <a:p>
+                      <a:pPr>
+                        <a:buNone/>
+                      </a:pPr>
+                      <a:r>
+                        <a:rPr lang="x-none" sz="1600"/>
                         <a:t>status</a:t>
                       </a:r>
-                      <a:endParaRPr lang="x-none"/>
+                      <a:endParaRPr lang="x-none" sz="1600"/>
                     </a:p>
                   </a:txBody>
                   <a:tcPr/>
@@ -3853,160 +3913,160 @@
                         <a:buNone/>
                       </a:pPr>
                       <a:r>
-                        <a:rPr lang="x-none"/>
+                        <a:rPr lang="x-none" sz="1600"/>
                         <a:t>paramExample:</a:t>
                       </a:r>
-                      <a:endParaRPr lang="x-none"/>
-                    </a:p>
-                    <a:p>
-                      <a:pPr>
-                        <a:buNone/>
-                      </a:pPr>
-                      <a:r>
-                        <a:rPr lang="x-none"/>
+                      <a:endParaRPr lang="x-none" sz="1600"/>
+                    </a:p>
+                    <a:p>
+                      <a:pPr>
+                        <a:buNone/>
+                      </a:pPr>
+                      <a:r>
+                        <a:rPr lang="x-none" sz="1600"/>
                         <a:t>{</a:t>
                       </a:r>
-                      <a:endParaRPr lang="x-none"/>
-                    </a:p>
-                    <a:p>
-                      <a:pPr>
-                        <a:buNone/>
-                      </a:pPr>
-                      <a:r>
-                        <a:rPr lang="x-none"/>
+                      <a:endParaRPr lang="x-none" sz="1600"/>
+                    </a:p>
+                    <a:p>
+                      <a:pPr>
+                        <a:buNone/>
+                      </a:pPr>
+                      <a:r>
+                        <a:rPr lang="x-none" sz="1600"/>
                         <a:t>    "MataData":{</a:t>
                       </a:r>
-                      <a:endParaRPr lang="x-none"/>
-                    </a:p>
-                    <a:p>
-                      <a:pPr>
-                        <a:buNone/>
-                      </a:pPr>
-                      <a:r>
-                        <a:rPr lang="x-none"/>
+                      <a:endParaRPr lang="x-none" sz="1600"/>
+                    </a:p>
+                    <a:p>
+                      <a:pPr>
+                        <a:buNone/>
+                      </a:pPr>
+                      <a:r>
+                        <a:rPr lang="x-none" sz="1600"/>
                         <a:t>        "timestamp":"002313123904"</a:t>
                       </a:r>
-                      <a:endParaRPr lang="x-none"/>
-                    </a:p>
-                    <a:p>
-                      <a:pPr>
-                        <a:buNone/>
-                      </a:pPr>
-                      <a:r>
-                        <a:rPr lang="x-none"/>
+                      <a:endParaRPr lang="x-none" sz="1600"/>
+                    </a:p>
+                    <a:p>
+                      <a:pPr>
+                        <a:buNone/>
+                      </a:pPr>
+                      <a:r>
+                        <a:rPr lang="x-none" sz="1600"/>
                         <a:t>    },</a:t>
                       </a:r>
-                      <a:endParaRPr lang="x-none"/>
-                    </a:p>
-                    <a:p>
-                      <a:pPr>
-                        <a:buNone/>
-                      </a:pPr>
-                      <a:r>
-                        <a:rPr lang="x-none"/>
-                        <a:t>    "token":"testToken",</a:t>
-                      </a:r>
-                      <a:endParaRPr lang="x-none"/>
-                    </a:p>
-                    <a:p>
-                      <a:pPr>
-                        <a:buNone/>
-                      </a:pPr>
-                      <a:r>
-                        <a:rPr lang="x-none"/>
+                      <a:endParaRPr lang="x-none" sz="1600"/>
+                    </a:p>
+                    <a:p>
+                      <a:pPr>
+                        <a:buNone/>
+                      </a:pPr>
+                      <a:r>
+                        <a:rPr lang="x-none" sz="1600"/>
                         <a:t>    "UserInfo":{</a:t>
                       </a:r>
-                      <a:endParaRPr lang="x-none"/>
-                    </a:p>
-                    <a:p>
-                      <a:pPr>
-                        <a:buNone/>
-                      </a:pPr>
-                      <a:r>
-                        <a:rPr lang="x-none"/>
+                      <a:endParaRPr lang="x-none" sz="1600"/>
+                    </a:p>
+                    <a:p>
+                      <a:pPr>
+                        <a:buNone/>
+                      </a:pPr>
+                      <a:r>
+                        <a:rPr lang="x-none" sz="1600"/>
                         <a:t>        "ID":"usrid",</a:t>
                       </a:r>
-                      <a:endParaRPr lang="x-none"/>
-                    </a:p>
-                    <a:p>
-                      <a:pPr>
-                        <a:buNone/>
-                      </a:pPr>
-                      <a:r>
-                        <a:rPr lang="x-none"/>
+                      <a:endParaRPr lang="x-none" sz="1600"/>
+                    </a:p>
+                    <a:p>
+                      <a:pPr>
+                        <a:buNone/>
+                      </a:pPr>
+                      <a:r>
+                        <a:rPr lang="x-none" sz="1600"/>
                         <a:t>        "name":"usrname",</a:t>
                       </a:r>
-                      <a:endParaRPr lang="x-none"/>
-                    </a:p>
-                    <a:p>
-                      <a:pPr>
-                        <a:buNone/>
-                      </a:pPr>
-                      <a:r>
-                        <a:rPr lang="x-none"/>
+                      <a:endParaRPr lang="x-none" sz="1600"/>
+                    </a:p>
+                    <a:p>
+                      <a:pPr>
+                        <a:buNone/>
+                      </a:pPr>
+                      <a:r>
+                        <a:rPr lang="x-none" sz="1600"/>
                         <a:t>        "password":"psw",</a:t>
                       </a:r>
-                      <a:endParaRPr lang="x-none"/>
-                    </a:p>
-                    <a:p>
-                      <a:pPr>
-                        <a:buNone/>
-                      </a:pPr>
-                      <a:r>
-                        <a:rPr lang="x-none"/>
-                        <a:t>        "Phone":"13412341234",</a:t>
-                      </a:r>
-                      <a:endParaRPr lang="x-none"/>
-                    </a:p>
-                    <a:p>
-                      <a:pPr>
-                        <a:buNone/>
-                      </a:pPr>
-                      <a:r>
-                        <a:rPr lang="x-none"/>
-                        <a:t>        "Email":"a@a.com",</a:t>
-                      </a:r>
-                      <a:endParaRPr lang="x-none"/>
-                    </a:p>
-                    <a:p>
-                      <a:pPr>
-                        <a:buNone/>
-                      </a:pPr>
-                      <a:r>
-                        <a:rPr lang="x-none"/>
-                        <a:t>        "Photo":"imgid"</a:t>
-                      </a:r>
-                      <a:endParaRPr lang="x-none"/>
-                    </a:p>
-                    <a:p>
-                      <a:pPr>
-                        <a:buNone/>
-                      </a:pPr>
-                      <a:r>
-                        <a:rPr lang="x-none"/>
+                      <a:endParaRPr lang="x-none" sz="1600"/>
+                    </a:p>
+                    <a:p>
+                      <a:pPr>
+                        <a:buNone/>
+                      </a:pPr>
+                      <a:r>
+                        <a:rPr lang="x-none" sz="1600"/>
+                        <a:t>        "phone":"13412341234",</a:t>
+                      </a:r>
+                      <a:endParaRPr lang="x-none" sz="1600"/>
+                    </a:p>
+                    <a:p>
+                      <a:pPr>
+                        <a:buNone/>
+                      </a:pPr>
+                      <a:r>
+                        <a:rPr lang="x-none" sz="1600"/>
+                        <a:t>        "email":"a@a.com",</a:t>
+                      </a:r>
+                      <a:endParaRPr lang="x-none" sz="1600"/>
+                    </a:p>
+                    <a:p>
+                      <a:pPr>
+                        <a:buNone/>
+                      </a:pPr>
+                      <a:r>
+                        <a:rPr lang="x-none" sz="1600"/>
+                        <a:t>        "photo":"imgid",</a:t>
+                      </a:r>
+                      <a:endParaRPr lang="x-none" sz="1600"/>
+                    </a:p>
+                    <a:p>
+                      <a:pPr>
+                        <a:buNone/>
+                      </a:pPr>
+                      <a:r>
+                        <a:rPr lang="x-none" sz="1600"/>
+                        <a:t>        "nickname":"nickname"</a:t>
+                      </a:r>
+                      <a:endParaRPr lang="x-none" sz="1600"/>
+                    </a:p>
+                    <a:p>
+                      <a:pPr>
+                        <a:buNone/>
+                      </a:pPr>
+                      <a:r>
+                        <a:rPr lang="x-none" sz="1600"/>
                         <a:t>    }</a:t>
                       </a:r>
-                      <a:endParaRPr lang="x-none"/>
-                    </a:p>
-                    <a:p>
-                      <a:pPr>
-                        <a:buNone/>
-                      </a:pPr>
-                      <a:r>
-                        <a:rPr lang="x-none"/>
+                      <a:endParaRPr lang="x-none" sz="1600"/>
+                    </a:p>
+                    <a:p>
+                      <a:pPr>
+                        <a:buNone/>
+                      </a:pPr>
+                      <a:r>
+                        <a:rPr lang="x-none" sz="1600"/>
                         <a:t>}</a:t>
                       </a:r>
-                      <a:endParaRPr lang="x-none"/>
-                    </a:p>
-                    <a:p>
-                      <a:pPr>
-                        <a:buNone/>
-                      </a:pPr>
-                      <a:r>
-                        <a:rPr lang="x-none"/>
+                      <a:endParaRPr lang="x-none" sz="1600"/>
+                    </a:p>
+                    <a:p>
+                      <a:pPr>
+                        <a:buNone/>
+                      </a:pPr>
+                      <a:r>
+                        <a:rPr lang="x-none" sz="1600"/>
                         <a:t>// all parameters in UserInfo are optional</a:t>
                       </a:r>
-                      <a:endParaRPr lang="x-none"/>
+                      <a:endParaRPr lang="x-none" sz="1600"/>
                     </a:p>
                   </a:txBody>
                   <a:tcPr/>
@@ -4019,100 +4079,100 @@
                         <a:buNone/>
                       </a:pPr>
                       <a:r>
-                        <a:rPr lang="x-none"/>
+                        <a:rPr lang="x-none" sz="1600"/>
                         <a:t>returnExample:</a:t>
                       </a:r>
-                      <a:endParaRPr lang="x-none"/>
-                    </a:p>
-                    <a:p>
-                      <a:pPr>
-                        <a:buNone/>
-                      </a:pPr>
-                      <a:r>
-                        <a:rPr lang="x-none"/>
+                      <a:endParaRPr lang="x-none" sz="1600"/>
+                    </a:p>
+                    <a:p>
+                      <a:pPr>
+                        <a:buNone/>
+                      </a:pPr>
+                      <a:r>
+                        <a:rPr lang="x-none" sz="1600"/>
                         <a:t>{</a:t>
                       </a:r>
-                      <a:endParaRPr lang="x-none"/>
-                    </a:p>
-                    <a:p>
-                      <a:pPr>
-                        <a:buNone/>
-                      </a:pPr>
-                      <a:r>
-                        <a:rPr lang="x-none"/>
+                      <a:endParaRPr lang="x-none" sz="1600"/>
+                    </a:p>
+                    <a:p>
+                      <a:pPr>
+                        <a:buNone/>
+                      </a:pPr>
+                      <a:r>
+                        <a:rPr lang="x-none" sz="1600"/>
                         <a:t>    "MataData":{</a:t>
                       </a:r>
-                      <a:endParaRPr lang="x-none"/>
-                    </a:p>
-                    <a:p>
-                      <a:pPr>
-                        <a:buNone/>
-                      </a:pPr>
-                      <a:r>
-                        <a:rPr lang="x-none"/>
+                      <a:endParaRPr lang="x-none" sz="1600"/>
+                    </a:p>
+                    <a:p>
+                      <a:pPr>
+                        <a:buNone/>
+                      </a:pPr>
+                      <a:r>
+                        <a:rPr lang="x-none" sz="1600"/>
                         <a:t>        "timestamp":"002313123904"</a:t>
                       </a:r>
-                      <a:endParaRPr lang="x-none"/>
-                    </a:p>
-                    <a:p>
-                      <a:pPr>
-                        <a:buNone/>
-                      </a:pPr>
-                      <a:r>
-                        <a:rPr lang="x-none"/>
+                      <a:endParaRPr lang="x-none" sz="1600"/>
+                    </a:p>
+                    <a:p>
+                      <a:pPr>
+                        <a:buNone/>
+                      </a:pPr>
+                      <a:r>
+                        <a:rPr lang="x-none" sz="1600"/>
                         <a:t>    },</a:t>
                       </a:r>
-                      <a:endParaRPr lang="x-none"/>
-                    </a:p>
-                    <a:p>
-                      <a:pPr>
-                        <a:buNone/>
-                      </a:pPr>
-                      <a:r>
-                        <a:rPr lang="x-none"/>
+                      <a:endParaRPr lang="x-none" sz="1600"/>
+                    </a:p>
+                    <a:p>
+                      <a:pPr>
+                        <a:buNone/>
+                      </a:pPr>
+                      <a:r>
+                        <a:rPr lang="x-none" sz="1600"/>
                         <a:t>    "Status":{</a:t>
                       </a:r>
-                      <a:endParaRPr lang="x-none"/>
-                    </a:p>
-                    <a:p>
-                      <a:pPr>
-                        <a:buNone/>
-                      </a:pPr>
-                      <a:r>
-                        <a:rPr lang="x-none"/>
+                      <a:endParaRPr lang="x-none" sz="1600"/>
+                    </a:p>
+                    <a:p>
+                      <a:pPr>
+                        <a:buNone/>
+                      </a:pPr>
+                      <a:r>
+                        <a:rPr lang="x-none" sz="1600"/>
                         <a:t>        "StatusCode":"OK",</a:t>
                       </a:r>
-                      <a:endParaRPr lang="x-none"/>
-                    </a:p>
-                    <a:p>
-                      <a:pPr>
-                        <a:buNone/>
-                      </a:pPr>
-                      <a:r>
-                        <a:rPr lang="x-none"/>
+                      <a:endParaRPr lang="x-none" sz="1600"/>
+                    </a:p>
+                    <a:p>
+                      <a:pPr>
+                        <a:buNone/>
+                      </a:pPr>
+                      <a:r>
+                        <a:rPr lang="x-none" sz="1600"/>
                         <a:t>        "ErrorMsg":"None"</a:t>
                       </a:r>
-                      <a:endParaRPr lang="x-none"/>
-                    </a:p>
-                    <a:p>
-                      <a:pPr>
-                        <a:buNone/>
-                      </a:pPr>
-                      <a:r>
-                        <a:rPr lang="x-none"/>
+                      <a:endParaRPr lang="x-none" sz="1600"/>
+                    </a:p>
+                    <a:p>
+                      <a:pPr>
+                        <a:buNone/>
+                      </a:pPr>
+                      <a:r>
+                        <a:rPr lang="x-none" sz="1600"/>
                         <a:t>    }</a:t>
                       </a:r>
-                      <a:endParaRPr lang="x-none"/>
-                    </a:p>
-                    <a:p>
-                      <a:pPr>
-                        <a:buNone/>
-                      </a:pPr>
-                      <a:r>
-                        <a:rPr lang="x-none"/>
+                      <a:endParaRPr lang="x-none" sz="1600"/>
+                    </a:p>
+                    <a:p>
+                      <a:pPr>
+                        <a:buNone/>
+                      </a:pPr>
+                      <a:r>
+                        <a:rPr lang="x-none" sz="1600"/>
                         <a:t>}</a:t>
                       </a:r>
-                      <a:endParaRPr lang="x-none"/>
+                      <a:endParaRPr lang="x-none" sz="1600"/>
                     </a:p>
                   </a:txBody>
                   <a:tcPr/>
@@ -5328,7 +5388,7 @@
                       </a:pPr>
                       <a:r>
                         <a:rPr lang="x-none"/>
-                        <a:t>    "MataData":{</a:t>
+                        <a:t>    "mataData":{</a:t>
                       </a:r>
                       <a:endParaRPr lang="x-none"/>
                     </a:p>
@@ -5368,7 +5428,7 @@
                       </a:pPr>
                       <a:r>
                         <a:rPr lang="x-none"/>
-                        <a:t>    "UserInfo":{</a:t>
+                        <a:t>    "userinfo":{</a:t>
                       </a:r>
                       <a:endParaRPr lang="x-none"/>
                     </a:p>
@@ -5725,7 +5785,17 @@
                       </a:pPr>
                       <a:r>
                         <a:rPr lang="x-none"/>
-                        <a:t>    "MataData":{</a:t>
+                        <a:t>    "</a:t>
+                      </a:r>
+                      <a:r>
+                        <a:rPr lang="x-none" sz="1800">
+                          <a:sym typeface="+mn-ea"/>
+                        </a:rPr>
+                        <a:t>mataData</a:t>
+                      </a:r>
+                      <a:r>
+                        <a:rPr lang="x-none"/>
+                        <a:t>":{</a:t>
                       </a:r>
                       <a:endParaRPr lang="x-none"/>
                     </a:p>

--- a/API.pptx
+++ b/API.pptx
@@ -7,15 +7,15 @@
   <p:sldIdLst>
     <p:sldId id="277" r:id="rId3"/>
     <p:sldId id="258" r:id="rId4"/>
-    <p:sldId id="259" r:id="rId5"/>
-    <p:sldId id="260" r:id="rId6"/>
-    <p:sldId id="261" r:id="rId7"/>
-    <p:sldId id="263" r:id="rId8"/>
-    <p:sldId id="264" r:id="rId9"/>
-    <p:sldId id="270" r:id="rId10"/>
-    <p:sldId id="272" r:id="rId11"/>
-    <p:sldId id="267" r:id="rId12"/>
-    <p:sldId id="274" r:id="rId13"/>
+    <p:sldId id="291" r:id="rId5"/>
+    <p:sldId id="292" r:id="rId6"/>
+    <p:sldId id="293" r:id="rId7"/>
+    <p:sldId id="259" r:id="rId8"/>
+    <p:sldId id="260" r:id="rId9"/>
+    <p:sldId id="261" r:id="rId10"/>
+    <p:sldId id="264" r:id="rId11"/>
+    <p:sldId id="270" r:id="rId12"/>
+    <p:sldId id="272" r:id="rId13"/>
     <p:sldId id="275" r:id="rId14"/>
     <p:sldId id="276" r:id="rId15"/>
     <p:sldId id="268" r:id="rId16"/>
@@ -3340,7 +3340,7 @@
                       </a:pPr>
                       <a:r>
                         <a:rPr lang="x-none"/>
-                        <a:t>NewUser</a:t>
+                        <a:t>SendMsg</a:t>
                       </a:r>
                       <a:endParaRPr lang="x-none"/>
                     </a:p>
@@ -3361,7 +3361,7 @@
                       </a:pPr>
                       <a:r>
                         <a:rPr lang="x-none"/>
-                        <a:t>URL: "/api/usr_add"</a:t>
+                        <a:t>URL: /message/send</a:t>
                       </a:r>
                       <a:endParaRPr lang="x-none"/>
                     </a:p>
@@ -3405,7 +3405,7 @@
                       </a:pPr>
                       <a:r>
                         <a:rPr lang="x-none"/>
-                        <a:t>userInfo</a:t>
+                        <a:t>token, item, </a:t>
                       </a:r>
                       <a:endParaRPr lang="x-none"/>
                     </a:p>
@@ -3509,129 +3509,39 @@
                       </a:pPr>
                       <a:r>
                         <a:rPr lang="x-none"/>
-                        <a:t>    </a:t>
-                      </a:r>
-                      <a:r>
-                        <a:rPr lang="x-none" sz="1800">
-                          <a:sym typeface="+mn-ea"/>
-                        </a:rPr>
-                        <a:t>"UserInfo":{</a:t>
-                      </a:r>
-                      <a:endParaRPr lang="x-none" sz="1800">
-                        <a:sym typeface="+mn-ea"/>
-                      </a:endParaRPr>
-                    </a:p>
-                    <a:p>
-                      <a:pPr>
-                        <a:buNone/>
-                      </a:pPr>
-                      <a:r>
-                        <a:rPr lang="x-none" sz="1800">
-                          <a:sym typeface="+mn-ea"/>
-                        </a:rPr>
-                        <a:t>        "ID":"usrid",</a:t>
-                      </a:r>
-                      <a:endParaRPr lang="x-none" sz="1800">
-                        <a:sym typeface="+mn-ea"/>
-                      </a:endParaRPr>
-                    </a:p>
-                    <a:p>
-                      <a:pPr>
-                        <a:buNone/>
-                      </a:pPr>
-                      <a:r>
-                        <a:rPr lang="x-none" sz="1800">
-                          <a:sym typeface="+mn-ea"/>
-                        </a:rPr>
-                        <a:t>        "name":"usrname",</a:t>
-                      </a:r>
-                      <a:endParaRPr lang="x-none" sz="1800">
-                        <a:sym typeface="+mn-ea"/>
-                      </a:endParaRPr>
-                    </a:p>
-                    <a:p>
-                      <a:pPr>
-                        <a:buNone/>
-                      </a:pPr>
-                      <a:r>
-                        <a:rPr lang="x-none" sz="1800">
-                          <a:sym typeface="+mn-ea"/>
-                        </a:rPr>
-                        <a:t>        "password":"psw",</a:t>
-                      </a:r>
-                      <a:endParaRPr lang="x-none" sz="1800">
-                        <a:sym typeface="+mn-ea"/>
-                      </a:endParaRPr>
-                    </a:p>
-                    <a:p>
-                      <a:pPr>
-                        <a:buNone/>
-                      </a:pPr>
-                      <a:r>
-                        <a:rPr lang="x-none" sz="1800">
-                          <a:sym typeface="+mn-ea"/>
-                        </a:rPr>
-                        <a:t>        "phone":"13412341234",</a:t>
-                      </a:r>
-                      <a:endParaRPr lang="x-none" sz="1800">
-                        <a:sym typeface="+mn-ea"/>
-                      </a:endParaRPr>
-                    </a:p>
-                    <a:p>
-                      <a:pPr>
-                        <a:buNone/>
-                      </a:pPr>
-                      <a:r>
-                        <a:rPr lang="x-none" sz="1800">
-                          <a:sym typeface="+mn-ea"/>
-                        </a:rPr>
-                        <a:t>        "email":"a@a.com",</a:t>
-                      </a:r>
-                      <a:endParaRPr lang="x-none" sz="1800">
-                        <a:sym typeface="+mn-ea"/>
-                      </a:endParaRPr>
-                    </a:p>
-                    <a:p>
-                      <a:pPr>
-                        <a:buNone/>
-                      </a:pPr>
-                      <a:r>
-                        <a:rPr lang="x-none" sz="1800">
-                          <a:sym typeface="+mn-ea"/>
-                        </a:rPr>
-                        <a:t>        "photo":"imgid",</a:t>
-                      </a:r>
-                      <a:endParaRPr lang="x-none" sz="1800">
-                        <a:sym typeface="+mn-ea"/>
-                      </a:endParaRPr>
-                    </a:p>
-                    <a:p>
-                      <a:pPr>
-                        <a:buNone/>
-                      </a:pPr>
-                      <a:r>
-                        <a:rPr lang="x-none" sz="1800">
-                          <a:sym typeface="+mn-ea"/>
-                        </a:rPr>
-                        <a:t>        "nickname":"nickname"</a:t>
-                      </a:r>
-                      <a:endParaRPr lang="x-none" sz="1800">
-                        <a:sym typeface="+mn-ea"/>
-                      </a:endParaRPr>
-                    </a:p>
-                    <a:p>
-                      <a:pPr>
-                        <a:buNone/>
-                      </a:pPr>
-                      <a:r>
-                        <a:rPr lang="x-none" sz="1800">
-                          <a:sym typeface="+mn-ea"/>
-                        </a:rPr>
-                        <a:t>    }</a:t>
-                      </a:r>
-                      <a:endParaRPr lang="x-none" sz="1800">
-                        <a:sym typeface="+mn-ea"/>
-                      </a:endParaRPr>
+                        <a:t>    "Message":{</a:t>
+                      </a:r>
+                      <a:endParaRPr lang="x-none"/>
+                    </a:p>
+                    <a:p>
+                      <a:pPr>
+                        <a:buNone/>
+                      </a:pPr>
+                      <a:r>
+                        <a:rPr lang="x-none"/>
+                        <a:t>        "Item":"itemid",</a:t>
+                      </a:r>
+                      <a:endParaRPr lang="x-none"/>
+                    </a:p>
+                    <a:p>
+                      <a:pPr>
+                        <a:buNone/>
+                      </a:pPr>
+                      <a:r>
+                        <a:rPr lang="x-none"/>
+                        <a:t>        "Text":"sample message"</a:t>
+                      </a:r>
+                      <a:endParaRPr lang="x-none"/>
+                    </a:p>
+                    <a:p>
+                      <a:pPr>
+                        <a:buNone/>
+                      </a:pPr>
+                      <a:r>
+                        <a:rPr lang="x-none"/>
+                        <a:t>    },</a:t>
+                      </a:r>
+                      <a:endParaRPr lang="x-none"/>
                     </a:p>
                     <a:p>
                       <a:pPr>
@@ -3696,6 +3606,16 @@
                       <a:r>
                         <a:rPr lang="x-none"/>
                         <a:t>    },</a:t>
+                      </a:r>
+                      <a:endParaRPr lang="x-none"/>
+                    </a:p>
+                    <a:p>
+                      <a:pPr>
+                        <a:buNone/>
+                      </a:pPr>
+                      <a:r>
+                        <a:rPr lang="x-none"/>
+                        <a:t>    "ImgID":"imgid",</a:t>
                       </a:r>
                       <a:endParaRPr lang="x-none"/>
                     </a:p>
@@ -3783,7 +3703,7 @@
         </p:nvGraphicFramePr>
         <p:xfrm>
           <a:off x="434975" y="381000"/>
-          <a:ext cx="11431588" cy="6342063"/>
+          <a:ext cx="11431588" cy="6184900"/>
         </p:xfrm>
         <a:graphic>
           <a:graphicData uri="http://schemas.openxmlformats.org/drawingml/2006/table">
@@ -3804,10 +3724,10 @@
                         <a:buNone/>
                       </a:pPr>
                       <a:r>
-                        <a:rPr lang="x-none" sz="1600"/>
-                        <a:t>UserProfileCange</a:t>
-                      </a:r>
-                      <a:endParaRPr lang="x-none" sz="1600"/>
+                        <a:rPr lang="x-none"/>
+                        <a:t>GetMsg</a:t>
+                      </a:r>
+                      <a:endParaRPr lang="x-none"/>
                     </a:p>
                   </a:txBody>
                   <a:tcPr/>
@@ -3825,10 +3745,10 @@
                         <a:buNone/>
                       </a:pPr>
                       <a:r>
-                        <a:rPr lang="x-none" sz="1600"/>
-                        <a:t>URL:  /api/usr_update</a:t>
-                      </a:r>
-                      <a:endParaRPr lang="x-none" sz="1600"/>
+                        <a:rPr lang="x-none"/>
+                        <a:t>URL: /message/get</a:t>
+                      </a:r>
+                      <a:endParaRPr lang="x-none"/>
                     </a:p>
                   </a:txBody>
                   <a:tcPr/>
@@ -3841,10 +3761,10 @@
                         <a:buNone/>
                       </a:pPr>
                       <a:r>
-                        <a:rPr lang="x-none" sz="1600"/>
+                        <a:rPr lang="x-none"/>
                         <a:t>Method: POST</a:t>
                       </a:r>
-                      <a:endParaRPr lang="x-none" sz="1600"/>
+                      <a:endParaRPr lang="x-none"/>
                     </a:p>
                   </a:txBody>
                   <a:tcPr/>
@@ -3859,20 +3779,20 @@
                         <a:buNone/>
                       </a:pPr>
                       <a:r>
-                        <a:rPr lang="x-none" sz="1600"/>
+                        <a:rPr lang="x-none"/>
                         <a:t>param:</a:t>
                       </a:r>
-                      <a:endParaRPr lang="x-none" sz="1600"/>
-                    </a:p>
-                    <a:p>
-                      <a:pPr>
-                        <a:buNone/>
-                      </a:pPr>
-                      <a:r>
-                        <a:rPr lang="x-none" sz="1600"/>
-                        <a:t>userProfile</a:t>
-                      </a:r>
-                      <a:endParaRPr lang="x-none" sz="1600"/>
+                      <a:endParaRPr lang="x-none"/>
+                    </a:p>
+                    <a:p>
+                      <a:pPr>
+                        <a:buNone/>
+                      </a:pPr>
+                      <a:r>
+                        <a:rPr lang="x-none"/>
+                        <a:t>token</a:t>
+                      </a:r>
+                      <a:endParaRPr lang="x-none"/>
                     </a:p>
                   </a:txBody>
                   <a:tcPr/>
@@ -3885,20 +3805,20 @@
                         <a:buNone/>
                       </a:pPr>
                       <a:r>
-                        <a:rPr lang="x-none" sz="1600"/>
+                        <a:rPr lang="x-none"/>
                         <a:t>return</a:t>
                       </a:r>
-                      <a:endParaRPr lang="x-none" sz="1600"/>
-                    </a:p>
-                    <a:p>
-                      <a:pPr>
-                        <a:buNone/>
-                      </a:pPr>
-                      <a:r>
-                        <a:rPr lang="x-none" sz="1600"/>
-                        <a:t>status</a:t>
-                      </a:r>
-                      <a:endParaRPr lang="x-none" sz="1600"/>
+                      <a:endParaRPr lang="x-none"/>
+                    </a:p>
+                    <a:p>
+                      <a:pPr>
+                        <a:buNone/>
+                      </a:pPr>
+                      <a:r>
+                        <a:rPr lang="x-none"/>
+                        <a:t>Messages, status</a:t>
+                      </a:r>
+                      <a:endParaRPr lang="x-none"/>
                     </a:p>
                   </a:txBody>
                   <a:tcPr/>
@@ -3964,7 +3884,7 @@
                       </a:pPr>
                       <a:r>
                         <a:rPr lang="x-none" sz="1600"/>
-                        <a:t>    "UserInfo":{</a:t>
+                        <a:t>    "token":"testToken",</a:t>
                       </a:r>
                       <a:endParaRPr lang="x-none" sz="1600"/>
                     </a:p>
@@ -3974,77 +3894,7 @@
                       </a:pPr>
                       <a:r>
                         <a:rPr lang="x-none" sz="1600"/>
-                        <a:t>        "ID":"usrid",</a:t>
-                      </a:r>
-                      <a:endParaRPr lang="x-none" sz="1600"/>
-                    </a:p>
-                    <a:p>
-                      <a:pPr>
-                        <a:buNone/>
-                      </a:pPr>
-                      <a:r>
-                        <a:rPr lang="x-none" sz="1600"/>
-                        <a:t>        "name":"usrname",</a:t>
-                      </a:r>
-                      <a:endParaRPr lang="x-none" sz="1600"/>
-                    </a:p>
-                    <a:p>
-                      <a:pPr>
-                        <a:buNone/>
-                      </a:pPr>
-                      <a:r>
-                        <a:rPr lang="x-none" sz="1600"/>
-                        <a:t>        "password":"psw",</a:t>
-                      </a:r>
-                      <a:endParaRPr lang="x-none" sz="1600"/>
-                    </a:p>
-                    <a:p>
-                      <a:pPr>
-                        <a:buNone/>
-                      </a:pPr>
-                      <a:r>
-                        <a:rPr lang="x-none" sz="1600"/>
-                        <a:t>        "phone":"13412341234",</a:t>
-                      </a:r>
-                      <a:endParaRPr lang="x-none" sz="1600"/>
-                    </a:p>
-                    <a:p>
-                      <a:pPr>
-                        <a:buNone/>
-                      </a:pPr>
-                      <a:r>
-                        <a:rPr lang="x-none" sz="1600"/>
-                        <a:t>        "email":"a@a.com",</a:t>
-                      </a:r>
-                      <a:endParaRPr lang="x-none" sz="1600"/>
-                    </a:p>
-                    <a:p>
-                      <a:pPr>
-                        <a:buNone/>
-                      </a:pPr>
-                      <a:r>
-                        <a:rPr lang="x-none" sz="1600"/>
-                        <a:t>        "photo":"imgid",</a:t>
-                      </a:r>
-                      <a:endParaRPr lang="x-none" sz="1600"/>
-                    </a:p>
-                    <a:p>
-                      <a:pPr>
-                        <a:buNone/>
-                      </a:pPr>
-                      <a:r>
-                        <a:rPr lang="x-none" sz="1600"/>
-                        <a:t>        "nickname":"nickname"</a:t>
-                      </a:r>
-                      <a:endParaRPr lang="x-none" sz="1600"/>
-                    </a:p>
-                    <a:p>
-                      <a:pPr>
-                        <a:buNone/>
-                      </a:pPr>
-                      <a:r>
-                        <a:rPr lang="x-none" sz="1600"/>
-                        <a:t>    }</a:t>
+                        <a:t>    "Item":"itemid"</a:t>
                       </a:r>
                       <a:endParaRPr lang="x-none" sz="1600"/>
                     </a:p>
@@ -4055,16 +3905,6 @@
                       <a:r>
                         <a:rPr lang="x-none" sz="1600"/>
                         <a:t>}</a:t>
-                      </a:r>
-                      <a:endParaRPr lang="x-none" sz="1600"/>
-                    </a:p>
-                    <a:p>
-                      <a:pPr>
-                        <a:buNone/>
-                      </a:pPr>
-                      <a:r>
-                        <a:rPr lang="x-none" sz="1600"/>
-                        <a:t>// all parameters in UserInfo are optional</a:t>
                       </a:r>
                       <a:endParaRPr lang="x-none" sz="1600"/>
                     </a:p>
@@ -4079,100 +3919,210 @@
                         <a:buNone/>
                       </a:pPr>
                       <a:r>
-                        <a:rPr lang="x-none" sz="1600"/>
+                        <a:rPr lang="x-none" sz="1200"/>
                         <a:t>returnExample:</a:t>
                       </a:r>
-                      <a:endParaRPr lang="x-none" sz="1600"/>
-                    </a:p>
-                    <a:p>
-                      <a:pPr>
-                        <a:buNone/>
-                      </a:pPr>
-                      <a:r>
-                        <a:rPr lang="x-none" sz="1600"/>
+                      <a:endParaRPr lang="x-none" sz="1200"/>
+                    </a:p>
+                    <a:p>
+                      <a:pPr>
+                        <a:buNone/>
+                      </a:pPr>
+                      <a:r>
+                        <a:rPr lang="x-none" sz="1200"/>
+                        <a:t>returnExample:</a:t>
+                      </a:r>
+                      <a:endParaRPr lang="x-none" sz="1200"/>
+                    </a:p>
+                    <a:p>
+                      <a:pPr>
+                        <a:buNone/>
+                      </a:pPr>
+                      <a:r>
+                        <a:rPr lang="x-none" sz="1200"/>
                         <a:t>{</a:t>
                       </a:r>
-                      <a:endParaRPr lang="x-none" sz="1600"/>
-                    </a:p>
-                    <a:p>
-                      <a:pPr>
-                        <a:buNone/>
-                      </a:pPr>
-                      <a:r>
-                        <a:rPr lang="x-none" sz="1600"/>
+                      <a:endParaRPr lang="x-none" sz="1200"/>
+                    </a:p>
+                    <a:p>
+                      <a:pPr>
+                        <a:buNone/>
+                      </a:pPr>
+                      <a:r>
+                        <a:rPr lang="x-none" sz="1200"/>
                         <a:t>    "MataData":{</a:t>
                       </a:r>
-                      <a:endParaRPr lang="x-none" sz="1600"/>
-                    </a:p>
-                    <a:p>
-                      <a:pPr>
-                        <a:buNone/>
-                      </a:pPr>
-                      <a:r>
-                        <a:rPr lang="x-none" sz="1600"/>
+                      <a:endParaRPr lang="x-none" sz="1200"/>
+                    </a:p>
+                    <a:p>
+                      <a:pPr>
+                        <a:buNone/>
+                      </a:pPr>
+                      <a:r>
+                        <a:rPr lang="x-none" sz="1200"/>
                         <a:t>        "timestamp":"002313123904"</a:t>
                       </a:r>
-                      <a:endParaRPr lang="x-none" sz="1600"/>
-                    </a:p>
-                    <a:p>
-                      <a:pPr>
-                        <a:buNone/>
-                      </a:pPr>
-                      <a:r>
-                        <a:rPr lang="x-none" sz="1600"/>
+                      <a:endParaRPr lang="x-none" sz="1200"/>
+                    </a:p>
+                    <a:p>
+                      <a:pPr>
+                        <a:buNone/>
+                      </a:pPr>
+                      <a:r>
+                        <a:rPr lang="x-none" sz="1200"/>
                         <a:t>    },</a:t>
                       </a:r>
-                      <a:endParaRPr lang="x-none" sz="1600"/>
-                    </a:p>
-                    <a:p>
-                      <a:pPr>
-                        <a:buNone/>
-                      </a:pPr>
-                      <a:r>
-                        <a:rPr lang="x-none" sz="1600"/>
+                      <a:endParaRPr lang="x-none" sz="1200"/>
+                    </a:p>
+                    <a:p>
+                      <a:pPr>
+                        <a:buNone/>
+                      </a:pPr>
+                      <a:r>
+                        <a:rPr lang="x-none" sz="1200"/>
+                        <a:t>    "Messages":[</a:t>
+                      </a:r>
+                      <a:endParaRPr lang="x-none" sz="1200"/>
+                    </a:p>
+                    <a:p>
+                      <a:pPr>
+                        <a:buNone/>
+                      </a:pPr>
+                      <a:r>
+                        <a:rPr lang="x-none" sz="1200"/>
+                        <a:t>        {</a:t>
+                      </a:r>
+                      <a:endParaRPr lang="x-none" sz="1200"/>
+                    </a:p>
+                    <a:p>
+                      <a:pPr>
+                        <a:buNone/>
+                      </a:pPr>
+                      <a:r>
+                        <a:rPr lang="x-none" sz="1200"/>
+                        <a:t>            "Text":"sample message 1",</a:t>
+                      </a:r>
+                      <a:endParaRPr lang="x-none" sz="1200"/>
+                    </a:p>
+                    <a:p>
+                      <a:pPr>
+                        <a:buNone/>
+                      </a:pPr>
+                      <a:r>
+                        <a:rPr lang="x-none" sz="1200"/>
+                        <a:t>            "Sender":"usrid1"</a:t>
+                      </a:r>
+                      <a:endParaRPr lang="x-none" sz="1200"/>
+                    </a:p>
+                    <a:p>
+                      <a:pPr>
+                        <a:buNone/>
+                      </a:pPr>
+                      <a:r>
+                        <a:rPr lang="x-none" sz="1200"/>
+                        <a:t>        },</a:t>
+                      </a:r>
+                      <a:endParaRPr lang="x-none" sz="1200"/>
+                    </a:p>
+                    <a:p>
+                      <a:pPr>
+                        <a:buNone/>
+                      </a:pPr>
+                      <a:r>
+                        <a:rPr lang="x-none" sz="1200"/>
+                        <a:t>        {</a:t>
+                      </a:r>
+                      <a:endParaRPr lang="x-none" sz="1200"/>
+                    </a:p>
+                    <a:p>
+                      <a:pPr>
+                        <a:buNone/>
+                      </a:pPr>
+                      <a:r>
+                        <a:rPr lang="x-none" sz="1200"/>
+                        <a:t>            "Text":"sample message 2",</a:t>
+                      </a:r>
+                      <a:endParaRPr lang="x-none" sz="1200"/>
+                    </a:p>
+                    <a:p>
+                      <a:pPr>
+                        <a:buNone/>
+                      </a:pPr>
+                      <a:r>
+                        <a:rPr lang="x-none" sz="1200"/>
+                        <a:t>            "Sender":"usrid2"</a:t>
+                      </a:r>
+                      <a:endParaRPr lang="x-none" sz="1200"/>
+                    </a:p>
+                    <a:p>
+                      <a:pPr>
+                        <a:buNone/>
+                      </a:pPr>
+                      <a:r>
+                        <a:rPr lang="x-none" sz="1200"/>
+                        <a:t>        }</a:t>
+                      </a:r>
+                      <a:endParaRPr lang="x-none" sz="1200"/>
+                    </a:p>
+                    <a:p>
+                      <a:pPr>
+                        <a:buNone/>
+                      </a:pPr>
+                      <a:r>
+                        <a:rPr lang="x-none" sz="1200"/>
+                        <a:t>    ],</a:t>
+                      </a:r>
+                      <a:endParaRPr lang="x-none" sz="1200"/>
+                    </a:p>
+                    <a:p>
+                      <a:pPr>
+                        <a:buNone/>
+                      </a:pPr>
+                      <a:r>
+                        <a:rPr lang="x-none" sz="1200"/>
                         <a:t>    "Status":{</a:t>
                       </a:r>
-                      <a:endParaRPr lang="x-none" sz="1600"/>
-                    </a:p>
-                    <a:p>
-                      <a:pPr>
-                        <a:buNone/>
-                      </a:pPr>
-                      <a:r>
-                        <a:rPr lang="x-none" sz="1600"/>
+                      <a:endParaRPr lang="x-none" sz="1200"/>
+                    </a:p>
+                    <a:p>
+                      <a:pPr>
+                        <a:buNone/>
+                      </a:pPr>
+                      <a:r>
+                        <a:rPr lang="x-none" sz="1200"/>
                         <a:t>        "StatusCode":"OK",</a:t>
                       </a:r>
-                      <a:endParaRPr lang="x-none" sz="1600"/>
-                    </a:p>
-                    <a:p>
-                      <a:pPr>
-                        <a:buNone/>
-                      </a:pPr>
-                      <a:r>
-                        <a:rPr lang="x-none" sz="1600"/>
+                      <a:endParaRPr lang="x-none" sz="1200"/>
+                    </a:p>
+                    <a:p>
+                      <a:pPr>
+                        <a:buNone/>
+                      </a:pPr>
+                      <a:r>
+                        <a:rPr lang="x-none" sz="1200"/>
                         <a:t>        "ErrorMsg":"None"</a:t>
                       </a:r>
-                      <a:endParaRPr lang="x-none" sz="1600"/>
-                    </a:p>
-                    <a:p>
-                      <a:pPr>
-                        <a:buNone/>
-                      </a:pPr>
-                      <a:r>
-                        <a:rPr lang="x-none" sz="1600"/>
+                      <a:endParaRPr lang="x-none" sz="1200"/>
+                    </a:p>
+                    <a:p>
+                      <a:pPr>
+                        <a:buNone/>
+                      </a:pPr>
+                      <a:r>
+                        <a:rPr lang="x-none" sz="1200"/>
                         <a:t>    }</a:t>
                       </a:r>
-                      <a:endParaRPr lang="x-none" sz="1600"/>
-                    </a:p>
-                    <a:p>
-                      <a:pPr>
-                        <a:buNone/>
-                      </a:pPr>
-                      <a:r>
-                        <a:rPr lang="x-none" sz="1600"/>
+                      <a:endParaRPr lang="x-none" sz="1200"/>
+                    </a:p>
+                    <a:p>
+                      <a:pPr>
+                        <a:buNone/>
+                      </a:pPr>
+                      <a:r>
+                        <a:rPr lang="x-none" sz="1200"/>
                         <a:t>}</a:t>
                       </a:r>
-                      <a:endParaRPr lang="x-none" sz="1600"/>
+                      <a:endParaRPr lang="x-none" sz="1200"/>
                     </a:p>
                   </a:txBody>
                   <a:tcPr/>
@@ -5646,7 +5596,7 @@
                       </a:pPr>
                       <a:r>
                         <a:rPr lang="x-none"/>
-                        <a:t>ListItems</a:t>
+                        <a:t>NewUser</a:t>
                       </a:r>
                       <a:endParaRPr lang="x-none"/>
                     </a:p>
@@ -5667,7 +5617,7 @@
                       </a:pPr>
                       <a:r>
                         <a:rPr lang="x-none"/>
-                        <a:t>URL: /item/list</a:t>
+                        <a:t>URL: "/api/usr_add"</a:t>
                       </a:r>
                       <a:endParaRPr lang="x-none"/>
                     </a:p>
@@ -5711,17 +5661,7 @@
                       </a:pPr>
                       <a:r>
                         <a:rPr lang="x-none"/>
-                        <a:t>  token,</a:t>
-                      </a:r>
-                      <a:endParaRPr lang="x-none"/>
-                    </a:p>
-                    <a:p>
-                      <a:pPr>
-                        <a:buNone/>
-                      </a:pPr>
-                      <a:r>
-                        <a:rPr lang="x-none"/>
-                        <a:t>  range(selective)</a:t>
+                        <a:t>userInfo</a:t>
                       </a:r>
                       <a:endParaRPr lang="x-none"/>
                     </a:p>
@@ -5747,7 +5687,7 @@
                       </a:pPr>
                       <a:r>
                         <a:rPr lang="x-none"/>
-                        <a:t>a list of item id</a:t>
+                        <a:t>status</a:t>
                       </a:r>
                       <a:endParaRPr lang="x-none"/>
                     </a:p>
@@ -5785,89 +5725,169 @@
                       </a:pPr>
                       <a:r>
                         <a:rPr lang="x-none"/>
-                        <a:t>    "</a:t>
+                        <a:t>    "MataData":{</a:t>
+                      </a:r>
+                      <a:endParaRPr lang="x-none"/>
+                    </a:p>
+                    <a:p>
+                      <a:pPr>
+                        <a:buNone/>
+                      </a:pPr>
+                      <a:r>
+                        <a:rPr lang="x-none"/>
+                        <a:t>        "timestamp":"002313123904"</a:t>
+                      </a:r>
+                      <a:endParaRPr lang="x-none"/>
+                    </a:p>
+                    <a:p>
+                      <a:pPr>
+                        <a:buNone/>
+                      </a:pPr>
+                      <a:r>
+                        <a:rPr lang="x-none"/>
+                        <a:t>    },</a:t>
+                      </a:r>
+                      <a:endParaRPr lang="x-none"/>
+                    </a:p>
+                    <a:p>
+                      <a:pPr>
+                        <a:buNone/>
+                      </a:pPr>
+                      <a:r>
+                        <a:rPr lang="x-none"/>
+                        <a:t>    "token":"testToken",</a:t>
+                      </a:r>
+                      <a:endParaRPr lang="x-none"/>
+                    </a:p>
+                    <a:p>
+                      <a:pPr>
+                        <a:buNone/>
+                      </a:pPr>
+                      <a:r>
+                        <a:rPr lang="x-none"/>
+                        <a:t>    </a:t>
                       </a:r>
                       <a:r>
                         <a:rPr lang="x-none" sz="1800">
                           <a:sym typeface="+mn-ea"/>
                         </a:rPr>
-                        <a:t>mataData</a:t>
-                      </a:r>
-                      <a:r>
-                        <a:rPr lang="x-none"/>
-                        <a:t>":{</a:t>
-                      </a:r>
-                      <a:endParaRPr lang="x-none"/>
-                    </a:p>
-                    <a:p>
-                      <a:pPr>
-                        <a:buNone/>
-                      </a:pPr>
-                      <a:r>
-                        <a:rPr lang="x-none"/>
-                        <a:t>        "timestamp":"002313123904"</a:t>
-                      </a:r>
-                      <a:endParaRPr lang="x-none"/>
-                    </a:p>
-                    <a:p>
-                      <a:pPr>
-                        <a:buNone/>
-                      </a:pPr>
-                      <a:r>
-                        <a:rPr lang="x-none"/>
-                        <a:t>    },</a:t>
-                      </a:r>
-                      <a:endParaRPr lang="x-none"/>
-                    </a:p>
-                    <a:p>
-                      <a:pPr>
-                        <a:buNone/>
-                      </a:pPr>
-                      <a:r>
-                        <a:rPr lang="x-none"/>
-                        <a:t>    "token":"testToken",</a:t>
-                      </a:r>
-                      <a:endParaRPr lang="x-none"/>
-                    </a:p>
-                    <a:p>
-                      <a:pPr>
-                        <a:buNone/>
-                      </a:pPr>
-                      <a:r>
-                        <a:rPr lang="x-none"/>
-                        <a:t>    "ItemRange":{</a:t>
-                      </a:r>
-                      <a:endParaRPr lang="x-none"/>
-                    </a:p>
-                    <a:p>
-                      <a:pPr>
-                        <a:buNone/>
-                      </a:pPr>
-                      <a:r>
-                        <a:rPr lang="x-none"/>
-                        <a:t>        "StartIndex":"100",</a:t>
-                      </a:r>
-                      <a:endParaRPr lang="x-none"/>
-                    </a:p>
-                    <a:p>
-                      <a:pPr>
-                        <a:buNone/>
-                      </a:pPr>
-                      <a:r>
-                        <a:rPr lang="x-none"/>
-                        <a:t>        "RequestLength":"100"</a:t>
-                      </a:r>
-                      <a:endParaRPr lang="x-none"/>
-                    </a:p>
-                    <a:p>
-                      <a:pPr>
-                        <a:buNone/>
-                      </a:pPr>
-                      <a:r>
-                        <a:rPr lang="x-none"/>
+                        <a:t>"UserInfo":{</a:t>
+                      </a:r>
+                      <a:endParaRPr lang="x-none" sz="1800">
+                        <a:sym typeface="+mn-ea"/>
+                      </a:endParaRPr>
+                    </a:p>
+                    <a:p>
+                      <a:pPr>
+                        <a:buNone/>
+                      </a:pPr>
+                      <a:r>
+                        <a:rPr lang="x-none" sz="1800">
+                          <a:sym typeface="+mn-ea"/>
+                        </a:rPr>
+                        <a:t>        "ID":"usrid",</a:t>
+                      </a:r>
+                      <a:endParaRPr lang="x-none" sz="1800">
+                        <a:sym typeface="+mn-ea"/>
+                      </a:endParaRPr>
+                    </a:p>
+                    <a:p>
+                      <a:pPr>
+                        <a:buNone/>
+                      </a:pPr>
+                      <a:r>
+                        <a:rPr lang="x-none" sz="1800">
+                          <a:sym typeface="+mn-ea"/>
+                        </a:rPr>
+                        <a:t>        "name":"usrname",</a:t>
+                      </a:r>
+                      <a:endParaRPr lang="x-none" sz="1800">
+                        <a:sym typeface="+mn-ea"/>
+                      </a:endParaRPr>
+                    </a:p>
+                    <a:p>
+                      <a:pPr>
+                        <a:buNone/>
+                      </a:pPr>
+                      <a:r>
+                        <a:rPr lang="x-none" sz="1800">
+                          <a:sym typeface="+mn-ea"/>
+                        </a:rPr>
+                        <a:t>        "password":"psw",</a:t>
+                      </a:r>
+                      <a:endParaRPr lang="x-none" sz="1800">
+                        <a:sym typeface="+mn-ea"/>
+                      </a:endParaRPr>
+                    </a:p>
+                    <a:p>
+                      <a:pPr>
+                        <a:buNone/>
+                      </a:pPr>
+                      <a:r>
+                        <a:rPr lang="x-none" sz="1800">
+                          <a:sym typeface="+mn-ea"/>
+                        </a:rPr>
+                        <a:t>        "phone":"13412341234",</a:t>
+                      </a:r>
+                      <a:endParaRPr lang="x-none" sz="1800">
+                        <a:sym typeface="+mn-ea"/>
+                      </a:endParaRPr>
+                    </a:p>
+                    <a:p>
+                      <a:pPr>
+                        <a:buNone/>
+                      </a:pPr>
+                      <a:r>
+                        <a:rPr lang="x-none" sz="1800">
+                          <a:sym typeface="+mn-ea"/>
+                        </a:rPr>
+                        <a:t>        "email":"a@a.com",</a:t>
+                      </a:r>
+                      <a:endParaRPr lang="x-none" sz="1800">
+                        <a:sym typeface="+mn-ea"/>
+                      </a:endParaRPr>
+                    </a:p>
+                    <a:p>
+                      <a:pPr>
+                        <a:buNone/>
+                      </a:pPr>
+                      <a:r>
+                        <a:rPr lang="x-none" sz="1800">
+                          <a:sym typeface="+mn-ea"/>
+                        </a:rPr>
+                        <a:t>        "photo":"imgid",</a:t>
+                      </a:r>
+                      <a:endParaRPr lang="x-none" sz="1800">
+                        <a:sym typeface="+mn-ea"/>
+                      </a:endParaRPr>
+                    </a:p>
+                    <a:p>
+                      <a:pPr>
+                        <a:buNone/>
+                      </a:pPr>
+                      <a:r>
+                        <a:rPr lang="x-none" sz="1800">
+                          <a:sym typeface="+mn-ea"/>
+                        </a:rPr>
+                        <a:t>        "nickname":"nickname"</a:t>
+                      </a:r>
+                      <a:endParaRPr lang="x-none" sz="1800">
+                        <a:sym typeface="+mn-ea"/>
+                      </a:endParaRPr>
+                    </a:p>
+                    <a:p>
+                      <a:pPr>
+                        <a:buNone/>
+                      </a:pPr>
+                      <a:r>
+                        <a:rPr lang="x-none" sz="1800">
+                          <a:sym typeface="+mn-ea"/>
+                        </a:rPr>
                         <a:t>    }</a:t>
                       </a:r>
-                      <a:endParaRPr lang="x-none"/>
+                      <a:endParaRPr lang="x-none" sz="1800">
+                        <a:sym typeface="+mn-ea"/>
+                      </a:endParaRPr>
                     </a:p>
                     <a:p>
                       <a:pPr>
@@ -5932,16 +5952,6 @@
                       <a:r>
                         <a:rPr lang="x-none"/>
                         <a:t>    },</a:t>
-                      </a:r>
-                      <a:endParaRPr lang="x-none"/>
-                    </a:p>
-                    <a:p>
-                      <a:pPr>
-                        <a:buNone/>
-                      </a:pPr>
-                      <a:r>
-                        <a:rPr lang="x-none"/>
-                        <a:t>    "items":["id1", "id2"],</a:t>
                       </a:r>
                       <a:endParaRPr lang="x-none"/>
                     </a:p>
@@ -6029,7 +6039,7 @@
         </p:nvGraphicFramePr>
         <p:xfrm>
           <a:off x="434975" y="381000"/>
-          <a:ext cx="11431588" cy="6184900"/>
+          <a:ext cx="11431588" cy="6342063"/>
         </p:xfrm>
         <a:graphic>
           <a:graphicData uri="http://schemas.openxmlformats.org/drawingml/2006/table">
@@ -6050,10 +6060,10 @@
                         <a:buNone/>
                       </a:pPr>
                       <a:r>
-                        <a:rPr lang="x-none"/>
-                        <a:t>Add Item</a:t>
-                      </a:r>
-                      <a:endParaRPr lang="x-none"/>
+                        <a:rPr lang="x-none" sz="1600"/>
+                        <a:t>UserProfileCange</a:t>
+                      </a:r>
+                      <a:endParaRPr lang="x-none" sz="1600"/>
                     </a:p>
                   </a:txBody>
                   <a:tcPr/>
@@ -6071,10 +6081,10 @@
                         <a:buNone/>
                       </a:pPr>
                       <a:r>
-                        <a:rPr lang="x-none"/>
-                        <a:t>URL: /item/new</a:t>
-                      </a:r>
-                      <a:endParaRPr lang="x-none"/>
+                        <a:rPr lang="x-none" sz="1600"/>
+                        <a:t>URL:  /api/usr_update</a:t>
+                      </a:r>
+                      <a:endParaRPr lang="x-none" sz="1600"/>
                     </a:p>
                   </a:txBody>
                   <a:tcPr/>
@@ -6087,10 +6097,10 @@
                         <a:buNone/>
                       </a:pPr>
                       <a:r>
-                        <a:rPr lang="x-none"/>
+                        <a:rPr lang="x-none" sz="1600"/>
                         <a:t>Method: POST</a:t>
                       </a:r>
-                      <a:endParaRPr lang="x-none"/>
+                      <a:endParaRPr lang="x-none" sz="1600"/>
                     </a:p>
                   </a:txBody>
                   <a:tcPr/>
@@ -6105,20 +6115,20 @@
                         <a:buNone/>
                       </a:pPr>
                       <a:r>
-                        <a:rPr lang="x-none"/>
+                        <a:rPr lang="x-none" sz="1600"/>
                         <a:t>param:</a:t>
                       </a:r>
-                      <a:endParaRPr lang="x-none"/>
-                    </a:p>
-                    <a:p>
-                      <a:pPr>
-                        <a:buNone/>
-                      </a:pPr>
-                      <a:r>
-                        <a:rPr lang="x-none"/>
-                        <a:t>token, itemInfo</a:t>
-                      </a:r>
-                      <a:endParaRPr lang="x-none"/>
+                      <a:endParaRPr lang="x-none" sz="1600"/>
+                    </a:p>
+                    <a:p>
+                      <a:pPr>
+                        <a:buNone/>
+                      </a:pPr>
+                      <a:r>
+                        <a:rPr lang="x-none" sz="1600"/>
+                        <a:t>userProfile</a:t>
+                      </a:r>
+                      <a:endParaRPr lang="x-none" sz="1600"/>
                     </a:p>
                   </a:txBody>
                   <a:tcPr/>
@@ -6131,20 +6141,20 @@
                         <a:buNone/>
                       </a:pPr>
                       <a:r>
-                        <a:rPr lang="x-none"/>
+                        <a:rPr lang="x-none" sz="1600"/>
                         <a:t>return</a:t>
                       </a:r>
-                      <a:endParaRPr lang="x-none"/>
-                    </a:p>
-                    <a:p>
-                      <a:pPr>
-                        <a:buNone/>
-                      </a:pPr>
-                      <a:r>
-                        <a:rPr lang="x-none"/>
-                        <a:t>itemID</a:t>
-                      </a:r>
-                      <a:endParaRPr lang="x-none"/>
+                      <a:endParaRPr lang="x-none" sz="1600"/>
+                    </a:p>
+                    <a:p>
+                      <a:pPr>
+                        <a:buNone/>
+                      </a:pPr>
+                      <a:r>
+                        <a:rPr lang="x-none" sz="1600"/>
+                        <a:t>status</a:t>
+                      </a:r>
+                      <a:endParaRPr lang="x-none" sz="1600"/>
                     </a:p>
                   </a:txBody>
                   <a:tcPr/>
@@ -6159,120 +6169,160 @@
                         <a:buNone/>
                       </a:pPr>
                       <a:r>
-                        <a:rPr lang="x-none"/>
+                        <a:rPr lang="x-none" sz="1600"/>
                         <a:t>paramExample:</a:t>
                       </a:r>
-                      <a:endParaRPr lang="x-none"/>
-                    </a:p>
-                    <a:p>
-                      <a:pPr>
-                        <a:buNone/>
-                      </a:pPr>
-                      <a:r>
-                        <a:rPr lang="x-none"/>
+                      <a:endParaRPr lang="x-none" sz="1600"/>
+                    </a:p>
+                    <a:p>
+                      <a:pPr>
+                        <a:buNone/>
+                      </a:pPr>
+                      <a:r>
+                        <a:rPr lang="x-none" sz="1600"/>
                         <a:t>{</a:t>
                       </a:r>
-                      <a:endParaRPr lang="x-none"/>
-                    </a:p>
-                    <a:p>
-                      <a:pPr>
-                        <a:buNone/>
-                      </a:pPr>
-                      <a:r>
-                        <a:rPr lang="x-none"/>
+                      <a:endParaRPr lang="x-none" sz="1600"/>
+                    </a:p>
+                    <a:p>
+                      <a:pPr>
+                        <a:buNone/>
+                      </a:pPr>
+                      <a:r>
+                        <a:rPr lang="x-none" sz="1600"/>
                         <a:t>    "MataData":{</a:t>
                       </a:r>
-                      <a:endParaRPr lang="x-none"/>
-                    </a:p>
-                    <a:p>
-                      <a:pPr>
-                        <a:buNone/>
-                      </a:pPr>
-                      <a:r>
-                        <a:rPr lang="x-none"/>
+                      <a:endParaRPr lang="x-none" sz="1600"/>
+                    </a:p>
+                    <a:p>
+                      <a:pPr>
+                        <a:buNone/>
+                      </a:pPr>
+                      <a:r>
+                        <a:rPr lang="x-none" sz="1600"/>
                         <a:t>        "timestamp":"002313123904"</a:t>
                       </a:r>
-                      <a:endParaRPr lang="x-none"/>
-                    </a:p>
-                    <a:p>
-                      <a:pPr>
-                        <a:buNone/>
-                      </a:pPr>
-                      <a:r>
-                        <a:rPr lang="x-none"/>
+                      <a:endParaRPr lang="x-none" sz="1600"/>
+                    </a:p>
+                    <a:p>
+                      <a:pPr>
+                        <a:buNone/>
+                      </a:pPr>
+                      <a:r>
+                        <a:rPr lang="x-none" sz="1600"/>
                         <a:t>    },</a:t>
                       </a:r>
-                      <a:endParaRPr lang="x-none"/>
-                    </a:p>
-                    <a:p>
-                      <a:pPr>
-                        <a:buNone/>
-                      </a:pPr>
-                      <a:r>
-                        <a:rPr lang="x-none"/>
-                        <a:t>    "token":"testToken",</a:t>
-                      </a:r>
-                      <a:endParaRPr lang="x-none"/>
-                    </a:p>
-                    <a:p>
-                      <a:pPr>
-                        <a:buNone/>
-                      </a:pPr>
-                      <a:r>
-                        <a:rPr lang="x-none"/>
-                        <a:t>    "ItemInfo":{</a:t>
-                      </a:r>
-                      <a:endParaRPr lang="x-none"/>
-                    </a:p>
-                    <a:p>
-                      <a:pPr>
-                        <a:buNone/>
-                      </a:pPr>
-                      <a:r>
-                        <a:rPr lang="x-none"/>
-                        <a:t>        "Type":1,</a:t>
-                      </a:r>
-                      <a:endParaRPr lang="x-none"/>
-                    </a:p>
-                    <a:p>
-                      <a:pPr>
-                        <a:buNone/>
-                      </a:pPr>
-                      <a:r>
-                        <a:rPr lang="x-none"/>
-                        <a:t>        "Price":100,</a:t>
-                      </a:r>
-                      <a:endParaRPr lang="x-none"/>
-                    </a:p>
-                    <a:p>
-                      <a:pPr>
-                        <a:buNone/>
-                      </a:pPr>
-                      <a:r>
-                        <a:rPr lang="x-none"/>
-                        <a:t>        "Description":"test desxription",</a:t>
-                      </a:r>
-                      <a:endParaRPr lang="x-none"/>
-                    </a:p>
-                    <a:p>
-                      <a:pPr>
-                        <a:buNone/>
-                      </a:pPr>
-                      <a:r>
-                        <a:rPr lang="x-none"/>
+                      <a:endParaRPr lang="x-none" sz="1600"/>
+                    </a:p>
+                    <a:p>
+                      <a:pPr>
+                        <a:buNone/>
+                      </a:pPr>
+                      <a:r>
+                        <a:rPr lang="x-none" sz="1600"/>
+                        <a:t>    "UserInfo":{</a:t>
+                      </a:r>
+                      <a:endParaRPr lang="x-none" sz="1600"/>
+                    </a:p>
+                    <a:p>
+                      <a:pPr>
+                        <a:buNone/>
+                      </a:pPr>
+                      <a:r>
+                        <a:rPr lang="x-none" sz="1600"/>
+                        <a:t>        "ID":"usrid",</a:t>
+                      </a:r>
+                      <a:endParaRPr lang="x-none" sz="1600"/>
+                    </a:p>
+                    <a:p>
+                      <a:pPr>
+                        <a:buNone/>
+                      </a:pPr>
+                      <a:r>
+                        <a:rPr lang="x-none" sz="1600"/>
+                        <a:t>        "name":"usrname",</a:t>
+                      </a:r>
+                      <a:endParaRPr lang="x-none" sz="1600"/>
+                    </a:p>
+                    <a:p>
+                      <a:pPr>
+                        <a:buNone/>
+                      </a:pPr>
+                      <a:r>
+                        <a:rPr lang="x-none" sz="1600"/>
+                        <a:t>        "password":"psw",</a:t>
+                      </a:r>
+                      <a:endParaRPr lang="x-none" sz="1600"/>
+                    </a:p>
+                    <a:p>
+                      <a:pPr>
+                        <a:buNone/>
+                      </a:pPr>
+                      <a:r>
+                        <a:rPr lang="x-none" sz="1600"/>
+                        <a:t>        "phone":"13412341234",</a:t>
+                      </a:r>
+                      <a:endParaRPr lang="x-none" sz="1600"/>
+                    </a:p>
+                    <a:p>
+                      <a:pPr>
+                        <a:buNone/>
+                      </a:pPr>
+                      <a:r>
+                        <a:rPr lang="x-none" sz="1600"/>
+                        <a:t>        "email":"a@a.com",</a:t>
+                      </a:r>
+                      <a:endParaRPr lang="x-none" sz="1600"/>
+                    </a:p>
+                    <a:p>
+                      <a:pPr>
+                        <a:buNone/>
+                      </a:pPr>
+                      <a:r>
+                        <a:rPr lang="x-none" sz="1600"/>
+                        <a:t>        "photo":"imgid",</a:t>
+                      </a:r>
+                      <a:endParaRPr lang="x-none" sz="1600"/>
+                    </a:p>
+                    <a:p>
+                      <a:pPr>
+                        <a:buNone/>
+                      </a:pPr>
+                      <a:r>
+                        <a:rPr lang="x-none" sz="1600"/>
+                        <a:t>        "nickname":"nickname"</a:t>
+                      </a:r>
+                      <a:endParaRPr lang="x-none" sz="1600"/>
+                    </a:p>
+                    <a:p>
+                      <a:pPr>
+                        <a:buNone/>
+                      </a:pPr>
+                      <a:r>
+                        <a:rPr lang="x-none" sz="1600"/>
                         <a:t>    }</a:t>
                       </a:r>
-                      <a:endParaRPr lang="x-none"/>
-                    </a:p>
-                    <a:p>
-                      <a:pPr>
-                        <a:buNone/>
-                      </a:pPr>
-                      <a:r>
-                        <a:rPr lang="x-none"/>
+                      <a:endParaRPr lang="x-none" sz="1600"/>
+                    </a:p>
+                    <a:p>
+                      <a:pPr>
+                        <a:buNone/>
+                      </a:pPr>
+                      <a:r>
+                        <a:rPr lang="x-none" sz="1600"/>
                         <a:t>}</a:t>
                       </a:r>
-                      <a:endParaRPr lang="x-none"/>
+                      <a:endParaRPr lang="x-none" sz="1600"/>
+                    </a:p>
+                    <a:p>
+                      <a:pPr>
+                        <a:buNone/>
+                      </a:pPr>
+                      <a:r>
+                        <a:rPr lang="x-none" sz="1600"/>
+                        <a:t>// all parameters in UserInfo are optional</a:t>
+                      </a:r>
+                      <a:endParaRPr lang="x-none" sz="1600"/>
                     </a:p>
                   </a:txBody>
                   <a:tcPr/>
@@ -6285,130 +6335,100 @@
                         <a:buNone/>
                       </a:pPr>
                       <a:r>
-                        <a:rPr lang="x-none"/>
+                        <a:rPr lang="x-none" sz="1600"/>
                         <a:t>returnExample:</a:t>
                       </a:r>
-                      <a:endParaRPr lang="x-none"/>
-                    </a:p>
-                    <a:p>
-                      <a:pPr>
-                        <a:buNone/>
-                      </a:pPr>
-                      <a:r>
-                        <a:rPr lang="x-none"/>
+                      <a:endParaRPr lang="x-none" sz="1600"/>
+                    </a:p>
+                    <a:p>
+                      <a:pPr>
+                        <a:buNone/>
+                      </a:pPr>
+                      <a:r>
+                        <a:rPr lang="x-none" sz="1600"/>
                         <a:t>{</a:t>
                       </a:r>
-                      <a:endParaRPr lang="x-none"/>
-                    </a:p>
-                    <a:p>
-                      <a:pPr>
-                        <a:buNone/>
-                      </a:pPr>
-                      <a:r>
-                        <a:rPr lang="x-none"/>
+                      <a:endParaRPr lang="x-none" sz="1600"/>
+                    </a:p>
+                    <a:p>
+                      <a:pPr>
+                        <a:buNone/>
+                      </a:pPr>
+                      <a:r>
+                        <a:rPr lang="x-none" sz="1600"/>
                         <a:t>    "MataData":{</a:t>
                       </a:r>
-                      <a:endParaRPr lang="x-none"/>
-                    </a:p>
-                    <a:p>
-                      <a:pPr>
-                        <a:buNone/>
-                      </a:pPr>
-                      <a:r>
-                        <a:rPr lang="x-none"/>
+                      <a:endParaRPr lang="x-none" sz="1600"/>
+                    </a:p>
+                    <a:p>
+                      <a:pPr>
+                        <a:buNone/>
+                      </a:pPr>
+                      <a:r>
+                        <a:rPr lang="x-none" sz="1600"/>
                         <a:t>        "timestamp":"002313123904"</a:t>
                       </a:r>
-                      <a:endParaRPr lang="x-none"/>
-                    </a:p>
-                    <a:p>
-                      <a:pPr>
-                        <a:buNone/>
-                      </a:pPr>
-                      <a:r>
-                        <a:rPr lang="x-none"/>
+                      <a:endParaRPr lang="x-none" sz="1600"/>
+                    </a:p>
+                    <a:p>
+                      <a:pPr>
+                        <a:buNone/>
+                      </a:pPr>
+                      <a:r>
+                        <a:rPr lang="x-none" sz="1600"/>
                         <a:t>    },</a:t>
                       </a:r>
-                      <a:endParaRPr lang="x-none"/>
-                    </a:p>
-                    <a:p>
-                      <a:pPr>
-                        <a:buNone/>
-                      </a:pPr>
-                      <a:r>
-                        <a:rPr lang="x-none"/>
-                        <a:t>    "ItemInfo":{</a:t>
-                      </a:r>
-                      <a:endParaRPr lang="x-none"/>
-                    </a:p>
-                    <a:p>
-                      <a:pPr>
-                        <a:buNone/>
-                      </a:pPr>
-                      <a:r>
-                        <a:rPr lang="x-none"/>
-                        <a:t>        "ItemID":"itemid",</a:t>
-                      </a:r>
-                      <a:endParaRPr lang="x-none"/>
-                    </a:p>
-                    <a:p>
-                      <a:pPr>
-                        <a:buNone/>
-                      </a:pPr>
-                      <a:r>
-                        <a:rPr lang="x-none"/>
-                        <a:t>    },</a:t>
-                      </a:r>
-                      <a:endParaRPr lang="x-none"/>
-                    </a:p>
-                    <a:p>
-                      <a:pPr>
-                        <a:buNone/>
-                      </a:pPr>
-                      <a:r>
-                        <a:rPr lang="x-none"/>
+                      <a:endParaRPr lang="x-none" sz="1600"/>
+                    </a:p>
+                    <a:p>
+                      <a:pPr>
+                        <a:buNone/>
+                      </a:pPr>
+                      <a:r>
+                        <a:rPr lang="x-none" sz="1600"/>
                         <a:t>    "Status":{</a:t>
                       </a:r>
-                      <a:endParaRPr lang="x-none"/>
-                    </a:p>
-                    <a:p>
-                      <a:pPr>
-                        <a:buNone/>
-                      </a:pPr>
-                      <a:r>
-                        <a:rPr lang="x-none"/>
+                      <a:endParaRPr lang="x-none" sz="1600"/>
+                    </a:p>
+                    <a:p>
+                      <a:pPr>
+                        <a:buNone/>
+                      </a:pPr>
+                      <a:r>
+                        <a:rPr lang="x-none" sz="1600"/>
                         <a:t>        "StatusCode":"OK",</a:t>
                       </a:r>
-                      <a:endParaRPr lang="x-none"/>
-                    </a:p>
-                    <a:p>
-                      <a:pPr>
-                        <a:buNone/>
-                      </a:pPr>
-                      <a:r>
-                        <a:rPr lang="x-none"/>
+                      <a:endParaRPr lang="x-none" sz="1600"/>
+                    </a:p>
+                    <a:p>
+                      <a:pPr>
+                        <a:buNone/>
+                      </a:pPr>
+                      <a:r>
+                        <a:rPr lang="x-none" sz="1600"/>
                         <a:t>        "ErrorMsg":"None"</a:t>
                       </a:r>
-                      <a:endParaRPr lang="x-none"/>
-                    </a:p>
-                    <a:p>
-                      <a:pPr>
-                        <a:buNone/>
-                      </a:pPr>
-                      <a:r>
-                        <a:rPr lang="x-none"/>
+                      <a:endParaRPr lang="x-none" sz="1600"/>
+                    </a:p>
+                    <a:p>
+                      <a:pPr>
+                        <a:buNone/>
+                      </a:pPr>
+                      <a:r>
+                        <a:rPr lang="x-none" sz="1600"/>
                         <a:t>    }</a:t>
                       </a:r>
-                      <a:endParaRPr lang="x-none"/>
-                    </a:p>
-                    <a:p>
-                      <a:pPr>
-                        <a:buNone/>
-                      </a:pPr>
-                      <a:r>
-                        <a:rPr lang="x-none"/>
+                      <a:endParaRPr lang="x-none" sz="1600"/>
+                    </a:p>
+                    <a:p>
+                      <a:pPr>
+                        <a:buNone/>
+                      </a:pPr>
+                      <a:r>
+                        <a:rPr lang="x-none" sz="1600"/>
                         <a:t>}</a:t>
                       </a:r>
-                      <a:endParaRPr lang="x-none"/>
+                      <a:endParaRPr lang="x-none" sz="1600"/>
                     </a:p>
                   </a:txBody>
                   <a:tcPr/>
@@ -6466,7 +6486,7 @@
                       </a:pPr>
                       <a:r>
                         <a:rPr lang="x-none"/>
-                        <a:t>AddImage</a:t>
+                        <a:t>UploadImg</a:t>
                       </a:r>
                       <a:endParaRPr lang="x-none"/>
                     </a:p>
@@ -6487,7 +6507,7 @@
                       </a:pPr>
                       <a:r>
                         <a:rPr lang="x-none"/>
-                        <a:t>URL: /item/addimg</a:t>
+                        <a:t>URL: /img/upload</a:t>
                       </a:r>
                       <a:endParaRPr lang="x-none"/>
                     </a:p>
@@ -6531,7 +6551,7 @@
                       </a:pPr>
                       <a:r>
                         <a:rPr lang="x-none"/>
-                        <a:t>token,itemID,imgID</a:t>
+                        <a:t>ImgFile</a:t>
                       </a:r>
                       <a:endParaRPr lang="x-none"/>
                     </a:p>
@@ -6557,7 +6577,7 @@
                       </a:pPr>
                       <a:r>
                         <a:rPr lang="x-none"/>
-                        <a:t>status</a:t>
+                        <a:t>status,imgID</a:t>
                       </a:r>
                       <a:endParaRPr lang="x-none"/>
                     </a:p>
@@ -6583,90 +6603,6 @@
                       <a:pPr>
                         <a:buNone/>
                       </a:pPr>
-                      <a:r>
-                        <a:rPr lang="x-none"/>
-                        <a:t>{</a:t>
-                      </a:r>
-                      <a:endParaRPr lang="x-none"/>
-                    </a:p>
-                    <a:p>
-                      <a:pPr>
-                        <a:buNone/>
-                      </a:pPr>
-                      <a:r>
-                        <a:rPr lang="x-none"/>
-                        <a:t>    "MataData":{</a:t>
-                      </a:r>
-                      <a:endParaRPr lang="x-none"/>
-                    </a:p>
-                    <a:p>
-                      <a:pPr>
-                        <a:buNone/>
-                      </a:pPr>
-                      <a:r>
-                        <a:rPr lang="x-none"/>
-                        <a:t>        "timestamp":"002313123904"</a:t>
-                      </a:r>
-                      <a:endParaRPr lang="x-none"/>
-                    </a:p>
-                    <a:p>
-                      <a:pPr>
-                        <a:buNone/>
-                      </a:pPr>
-                      <a:r>
-                        <a:rPr lang="x-none"/>
-                        <a:t>    },</a:t>
-                      </a:r>
-                      <a:endParaRPr lang="x-none"/>
-                    </a:p>
-                    <a:p>
-                      <a:pPr>
-                        <a:buNone/>
-                      </a:pPr>
-                      <a:r>
-                        <a:rPr lang="x-none"/>
-                        <a:t>    "token":"testToken",</a:t>
-                      </a:r>
-                      <a:endParaRPr lang="x-none"/>
-                    </a:p>
-                    <a:p>
-                      <a:pPr>
-                        <a:buNone/>
-                      </a:pPr>
-                      <a:r>
-                        <a:rPr lang="x-none"/>
-                        <a:t>    "ItemInfo":{</a:t>
-                      </a:r>
-                      <a:endParaRPr lang="x-none"/>
-                    </a:p>
-                    <a:p>
-                      <a:pPr>
-                        <a:buNone/>
-                      </a:pPr>
-                      <a:r>
-                        <a:rPr lang="x-none"/>
-                        <a:t>        "Images":["imgid 1", "imgid 2"]</a:t>
-                      </a:r>
-                      <a:endParaRPr lang="x-none"/>
-                    </a:p>
-                    <a:p>
-                      <a:pPr>
-                        <a:buNone/>
-                      </a:pPr>
-                      <a:r>
-                        <a:rPr lang="x-none"/>
-                        <a:t>    }</a:t>
-                      </a:r>
-                      <a:endParaRPr lang="x-none"/>
-                    </a:p>
-                    <a:p>
-                      <a:pPr>
-                        <a:buNone/>
-                      </a:pPr>
-                      <a:r>
-                        <a:rPr lang="x-none"/>
-                        <a:t>}</a:t>
-                      </a:r>
                       <a:endParaRPr lang="x-none"/>
                     </a:p>
                   </a:txBody>
@@ -6689,6 +6625,100 @@
                       <a:pPr>
                         <a:buNone/>
                       </a:pPr>
+                      <a:r>
+                        <a:rPr lang="x-none"/>
+                        <a:t>{</a:t>
+                      </a:r>
+                      <a:endParaRPr lang="x-none"/>
+                    </a:p>
+                    <a:p>
+                      <a:pPr>
+                        <a:buNone/>
+                      </a:pPr>
+                      <a:r>
+                        <a:rPr lang="x-none"/>
+                        <a:t>    "MataData":{</a:t>
+                      </a:r>
+                      <a:endParaRPr lang="x-none"/>
+                    </a:p>
+                    <a:p>
+                      <a:pPr>
+                        <a:buNone/>
+                      </a:pPr>
+                      <a:r>
+                        <a:rPr lang="x-none"/>
+                        <a:t>        "timestamp":"002313123904"</a:t>
+                      </a:r>
+                      <a:endParaRPr lang="x-none"/>
+                    </a:p>
+                    <a:p>
+                      <a:pPr>
+                        <a:buNone/>
+                      </a:pPr>
+                      <a:r>
+                        <a:rPr lang="x-none"/>
+                        <a:t>    },</a:t>
+                      </a:r>
+                      <a:endParaRPr lang="x-none"/>
+                    </a:p>
+                    <a:p>
+                      <a:pPr>
+                        <a:buNone/>
+                      </a:pPr>
+                      <a:r>
+                        <a:rPr lang="x-none"/>
+                        <a:t>    "ImgID":"imgid",</a:t>
+                      </a:r>
+                      <a:endParaRPr lang="x-none"/>
+                    </a:p>
+                    <a:p>
+                      <a:pPr>
+                        <a:buNone/>
+                      </a:pPr>
+                      <a:r>
+                        <a:rPr lang="x-none"/>
+                        <a:t>    "Status":{</a:t>
+                      </a:r>
+                      <a:endParaRPr lang="x-none"/>
+                    </a:p>
+                    <a:p>
+                      <a:pPr>
+                        <a:buNone/>
+                      </a:pPr>
+                      <a:r>
+                        <a:rPr lang="x-none"/>
+                        <a:t>        "StatusCode":"OK",</a:t>
+                      </a:r>
+                      <a:endParaRPr lang="x-none"/>
+                    </a:p>
+                    <a:p>
+                      <a:pPr>
+                        <a:buNone/>
+                      </a:pPr>
+                      <a:r>
+                        <a:rPr lang="x-none"/>
+                        <a:t>        "ErrorMsg":"None"</a:t>
+                      </a:r>
+                      <a:endParaRPr lang="x-none"/>
+                    </a:p>
+                    <a:p>
+                      <a:pPr>
+                        <a:buNone/>
+                      </a:pPr>
+                      <a:r>
+                        <a:rPr lang="x-none"/>
+                        <a:t>    }</a:t>
+                      </a:r>
+                      <a:endParaRPr lang="x-none"/>
+                    </a:p>
+                    <a:p>
+                      <a:pPr>
+                        <a:buNone/>
+                      </a:pPr>
+                      <a:r>
+                        <a:rPr lang="x-none"/>
+                        <a:t>}</a:t>
+                      </a:r>
                       <a:endParaRPr lang="x-none"/>
                     </a:p>
                   </a:txBody>
@@ -6747,7 +6777,7 @@
                       </a:pPr>
                       <a:r>
                         <a:rPr lang="x-none"/>
-                        <a:t>UploadImg</a:t>
+                        <a:t>ListItems</a:t>
                       </a:r>
                       <a:endParaRPr lang="x-none"/>
                     </a:p>
@@ -6768,7 +6798,7 @@
                       </a:pPr>
                       <a:r>
                         <a:rPr lang="x-none"/>
-                        <a:t>URL: /img/upload</a:t>
+                        <a:t>URL: /item/list</a:t>
                       </a:r>
                       <a:endParaRPr lang="x-none"/>
                     </a:p>
@@ -6812,7 +6842,17 @@
                       </a:pPr>
                       <a:r>
                         <a:rPr lang="x-none"/>
-                        <a:t>ImgFile</a:t>
+                        <a:t>  token,</a:t>
+                      </a:r>
+                      <a:endParaRPr lang="x-none"/>
+                    </a:p>
+                    <a:p>
+                      <a:pPr>
+                        <a:buNone/>
+                      </a:pPr>
+                      <a:r>
+                        <a:rPr lang="x-none"/>
+                        <a:t>  range(selective)</a:t>
                       </a:r>
                       <a:endParaRPr lang="x-none"/>
                     </a:p>
@@ -6838,7 +6878,7 @@
                       </a:pPr>
                       <a:r>
                         <a:rPr lang="x-none"/>
-                        <a:t>status,imgID</a:t>
+                        <a:t>a list of item id</a:t>
                       </a:r>
                       <a:endParaRPr lang="x-none"/>
                     </a:p>
@@ -6864,6 +6904,110 @@
                       <a:pPr>
                         <a:buNone/>
                       </a:pPr>
+                      <a:r>
+                        <a:rPr lang="x-none"/>
+                        <a:t>{</a:t>
+                      </a:r>
+                      <a:endParaRPr lang="x-none"/>
+                    </a:p>
+                    <a:p>
+                      <a:pPr>
+                        <a:buNone/>
+                      </a:pPr>
+                      <a:r>
+                        <a:rPr lang="x-none"/>
+                        <a:t>    "</a:t>
+                      </a:r>
+                      <a:r>
+                        <a:rPr lang="x-none" sz="1800">
+                          <a:sym typeface="+mn-ea"/>
+                        </a:rPr>
+                        <a:t>mataData</a:t>
+                      </a:r>
+                      <a:r>
+                        <a:rPr lang="x-none"/>
+                        <a:t>":{</a:t>
+                      </a:r>
+                      <a:endParaRPr lang="x-none"/>
+                    </a:p>
+                    <a:p>
+                      <a:pPr>
+                        <a:buNone/>
+                      </a:pPr>
+                      <a:r>
+                        <a:rPr lang="x-none"/>
+                        <a:t>        "timestamp":"002313123904"</a:t>
+                      </a:r>
+                      <a:endParaRPr lang="x-none"/>
+                    </a:p>
+                    <a:p>
+                      <a:pPr>
+                        <a:buNone/>
+                      </a:pPr>
+                      <a:r>
+                        <a:rPr lang="x-none"/>
+                        <a:t>    },</a:t>
+                      </a:r>
+                      <a:endParaRPr lang="x-none"/>
+                    </a:p>
+                    <a:p>
+                      <a:pPr>
+                        <a:buNone/>
+                      </a:pPr>
+                      <a:r>
+                        <a:rPr lang="x-none"/>
+                        <a:t>    "token":"testToken",</a:t>
+                      </a:r>
+                      <a:endParaRPr lang="x-none"/>
+                    </a:p>
+                    <a:p>
+                      <a:pPr>
+                        <a:buNone/>
+                      </a:pPr>
+                      <a:r>
+                        <a:rPr lang="x-none"/>
+                        <a:t>    "ItemRange":{</a:t>
+                      </a:r>
+                      <a:endParaRPr lang="x-none"/>
+                    </a:p>
+                    <a:p>
+                      <a:pPr>
+                        <a:buNone/>
+                      </a:pPr>
+                      <a:r>
+                        <a:rPr lang="x-none"/>
+                        <a:t>        "StartIndex":"100",</a:t>
+                      </a:r>
+                      <a:endParaRPr lang="x-none"/>
+                    </a:p>
+                    <a:p>
+                      <a:pPr>
+                        <a:buNone/>
+                      </a:pPr>
+                      <a:r>
+                        <a:rPr lang="x-none"/>
+                        <a:t>        "RequestLength":"100"</a:t>
+                      </a:r>
+                      <a:endParaRPr lang="x-none"/>
+                    </a:p>
+                    <a:p>
+                      <a:pPr>
+                        <a:buNone/>
+                      </a:pPr>
+                      <a:r>
+                        <a:rPr lang="x-none"/>
+                        <a:t>    }</a:t>
+                      </a:r>
+                      <a:endParaRPr lang="x-none"/>
+                    </a:p>
+                    <a:p>
+                      <a:pPr>
+                        <a:buNone/>
+                      </a:pPr>
+                      <a:r>
+                        <a:rPr lang="x-none"/>
+                        <a:t>}</a:t>
+                      </a:r>
                       <a:endParaRPr lang="x-none"/>
                     </a:p>
                   </a:txBody>
@@ -6928,7 +7072,7 @@
                       </a:pPr>
                       <a:r>
                         <a:rPr lang="x-none"/>
-                        <a:t>    "ImgID":"imgid",</a:t>
+                        <a:t>    "items":["id1", "id2"],</a:t>
                       </a:r>
                       <a:endParaRPr lang="x-none"/>
                     </a:p>
@@ -7038,7 +7182,7 @@
                       </a:pPr>
                       <a:r>
                         <a:rPr lang="x-none"/>
-                        <a:t>Add Comments</a:t>
+                        <a:t>Add Item</a:t>
                       </a:r>
                       <a:endParaRPr lang="x-none"/>
                     </a:p>
@@ -7059,7 +7203,7 @@
                       </a:pPr>
                       <a:r>
                         <a:rPr lang="x-none"/>
-                        <a:t>URL: /item/addComments</a:t>
+                        <a:t>URL: /item/new</a:t>
                       </a:r>
                       <a:endParaRPr lang="x-none"/>
                     </a:p>
@@ -7103,7 +7247,7 @@
                       </a:pPr>
                       <a:r>
                         <a:rPr lang="x-none"/>
-                        <a:t>token, comments</a:t>
+                        <a:t>token, itemInfo</a:t>
                       </a:r>
                       <a:endParaRPr lang="x-none"/>
                     </a:p>
@@ -7129,7 +7273,7 @@
                       </a:pPr>
                       <a:r>
                         <a:rPr lang="x-none"/>
-                        <a:t>status</a:t>
+                        <a:t>itemID</a:t>
                       </a:r>
                       <a:endParaRPr lang="x-none"/>
                     </a:p>
@@ -7217,17 +7361,27 @@
                       </a:pPr>
                       <a:r>
                         <a:rPr lang="x-none"/>
-                        <a:t>        "ItemID":"itemid",</a:t>
-                      </a:r>
-                      <a:endParaRPr lang="x-none"/>
-                    </a:p>
-                    <a:p>
-                      <a:pPr>
-                        <a:buNone/>
-                      </a:pPr>
-                      <a:r>
-                        <a:rPr lang="x-none"/>
-                        <a:t>        "Comments":["Comment 1","Comment 2"],</a:t>
+                        <a:t>        "Type":1,</a:t>
+                      </a:r>
+                      <a:endParaRPr lang="x-none"/>
+                    </a:p>
+                    <a:p>
+                      <a:pPr>
+                        <a:buNone/>
+                      </a:pPr>
+                      <a:r>
+                        <a:rPr lang="x-none"/>
+                        <a:t>        "Price":100,</a:t>
+                      </a:r>
+                      <a:endParaRPr lang="x-none"/>
+                    </a:p>
+                    <a:p>
+                      <a:pPr>
+                        <a:buNone/>
+                      </a:pPr>
+                      <a:r>
+                        <a:rPr lang="x-none"/>
+                        <a:t>        "Description":"test desxription",</a:t>
                       </a:r>
                       <a:endParaRPr lang="x-none"/>
                     </a:p>
@@ -7294,6 +7448,36 @@
                       <a:r>
                         <a:rPr lang="x-none"/>
                         <a:t>        "timestamp":"002313123904"</a:t>
+                      </a:r>
+                      <a:endParaRPr lang="x-none"/>
+                    </a:p>
+                    <a:p>
+                      <a:pPr>
+                        <a:buNone/>
+                      </a:pPr>
+                      <a:r>
+                        <a:rPr lang="x-none"/>
+                        <a:t>    },</a:t>
+                      </a:r>
+                      <a:endParaRPr lang="x-none"/>
+                    </a:p>
+                    <a:p>
+                      <a:pPr>
+                        <a:buNone/>
+                      </a:pPr>
+                      <a:r>
+                        <a:rPr lang="x-none"/>
+                        <a:t>    "ItemInfo":{</a:t>
+                      </a:r>
+                      <a:endParaRPr lang="x-none"/>
+                    </a:p>
+                    <a:p>
+                      <a:pPr>
+                        <a:buNone/>
+                      </a:pPr>
+                      <a:r>
+                        <a:rPr lang="x-none"/>
+                        <a:t>        "ItemID":"itemid",</a:t>
                       </a:r>
                       <a:endParaRPr lang="x-none"/>
                     </a:p>
@@ -7413,7 +7597,7 @@
                       </a:pPr>
                       <a:r>
                         <a:rPr lang="x-none"/>
-                        <a:t>SendMsg</a:t>
+                        <a:t>AddImage</a:t>
                       </a:r>
                       <a:endParaRPr lang="x-none"/>
                     </a:p>
@@ -7434,7 +7618,7 @@
                       </a:pPr>
                       <a:r>
                         <a:rPr lang="x-none"/>
-                        <a:t>URL: /message/send</a:t>
+                        <a:t>URL: /item/addimg</a:t>
                       </a:r>
                       <a:endParaRPr lang="x-none"/>
                     </a:p>
@@ -7478,7 +7662,7 @@
                       </a:pPr>
                       <a:r>
                         <a:rPr lang="x-none"/>
-                        <a:t>token, item, </a:t>
+                        <a:t>token,itemID,imgID</a:t>
                       </a:r>
                       <a:endParaRPr lang="x-none"/>
                     </a:p>
@@ -7582,37 +7766,27 @@
                       </a:pPr>
                       <a:r>
                         <a:rPr lang="x-none"/>
-                        <a:t>    "Message":{</a:t>
-                      </a:r>
-                      <a:endParaRPr lang="x-none"/>
-                    </a:p>
-                    <a:p>
-                      <a:pPr>
-                        <a:buNone/>
-                      </a:pPr>
-                      <a:r>
-                        <a:rPr lang="x-none"/>
-                        <a:t>        "Item":"itemid",</a:t>
-                      </a:r>
-                      <a:endParaRPr lang="x-none"/>
-                    </a:p>
-                    <a:p>
-                      <a:pPr>
-                        <a:buNone/>
-                      </a:pPr>
-                      <a:r>
-                        <a:rPr lang="x-none"/>
-                        <a:t>        "Text":"sample message"</a:t>
-                      </a:r>
-                      <a:endParaRPr lang="x-none"/>
-                    </a:p>
-                    <a:p>
-                      <a:pPr>
-                        <a:buNone/>
-                      </a:pPr>
-                      <a:r>
-                        <a:rPr lang="x-none"/>
-                        <a:t>    },</a:t>
+                        <a:t>    "ItemInfo":{</a:t>
+                      </a:r>
+                      <a:endParaRPr lang="x-none"/>
+                    </a:p>
+                    <a:p>
+                      <a:pPr>
+                        <a:buNone/>
+                      </a:pPr>
+                      <a:r>
+                        <a:rPr lang="x-none"/>
+                        <a:t>        "Images":["imgid 1", "imgid 2"]</a:t>
+                      </a:r>
+                      <a:endParaRPr lang="x-none"/>
+                    </a:p>
+                    <a:p>
+                      <a:pPr>
+                        <a:buNone/>
+                      </a:pPr>
+                      <a:r>
+                        <a:rPr lang="x-none"/>
+                        <a:t>    }</a:t>
                       </a:r>
                       <a:endParaRPr lang="x-none"/>
                     </a:p>
@@ -7646,100 +7820,6 @@
                       <a:pPr>
                         <a:buNone/>
                       </a:pPr>
-                      <a:r>
-                        <a:rPr lang="x-none"/>
-                        <a:t>{</a:t>
-                      </a:r>
-                      <a:endParaRPr lang="x-none"/>
-                    </a:p>
-                    <a:p>
-                      <a:pPr>
-                        <a:buNone/>
-                      </a:pPr>
-                      <a:r>
-                        <a:rPr lang="x-none"/>
-                        <a:t>    "MataData":{</a:t>
-                      </a:r>
-                      <a:endParaRPr lang="x-none"/>
-                    </a:p>
-                    <a:p>
-                      <a:pPr>
-                        <a:buNone/>
-                      </a:pPr>
-                      <a:r>
-                        <a:rPr lang="x-none"/>
-                        <a:t>        "timestamp":"002313123904"</a:t>
-                      </a:r>
-                      <a:endParaRPr lang="x-none"/>
-                    </a:p>
-                    <a:p>
-                      <a:pPr>
-                        <a:buNone/>
-                      </a:pPr>
-                      <a:r>
-                        <a:rPr lang="x-none"/>
-                        <a:t>    },</a:t>
-                      </a:r>
-                      <a:endParaRPr lang="x-none"/>
-                    </a:p>
-                    <a:p>
-                      <a:pPr>
-                        <a:buNone/>
-                      </a:pPr>
-                      <a:r>
-                        <a:rPr lang="x-none"/>
-                        <a:t>    "ImgID":"imgid",</a:t>
-                      </a:r>
-                      <a:endParaRPr lang="x-none"/>
-                    </a:p>
-                    <a:p>
-                      <a:pPr>
-                        <a:buNone/>
-                      </a:pPr>
-                      <a:r>
-                        <a:rPr lang="x-none"/>
-                        <a:t>    "Status":{</a:t>
-                      </a:r>
-                      <a:endParaRPr lang="x-none"/>
-                    </a:p>
-                    <a:p>
-                      <a:pPr>
-                        <a:buNone/>
-                      </a:pPr>
-                      <a:r>
-                        <a:rPr lang="x-none"/>
-                        <a:t>        "StatusCode":"OK",</a:t>
-                      </a:r>
-                      <a:endParaRPr lang="x-none"/>
-                    </a:p>
-                    <a:p>
-                      <a:pPr>
-                        <a:buNone/>
-                      </a:pPr>
-                      <a:r>
-                        <a:rPr lang="x-none"/>
-                        <a:t>        "ErrorMsg":"None"</a:t>
-                      </a:r>
-                      <a:endParaRPr lang="x-none"/>
-                    </a:p>
-                    <a:p>
-                      <a:pPr>
-                        <a:buNone/>
-                      </a:pPr>
-                      <a:r>
-                        <a:rPr lang="x-none"/>
-                        <a:t>    }</a:t>
-                      </a:r>
-                      <a:endParaRPr lang="x-none"/>
-                    </a:p>
-                    <a:p>
-                      <a:pPr>
-                        <a:buNone/>
-                      </a:pPr>
-                      <a:r>
-                        <a:rPr lang="x-none"/>
-                        <a:t>}</a:t>
-                      </a:r>
                       <a:endParaRPr lang="x-none"/>
                     </a:p>
                   </a:txBody>
@@ -7798,7 +7878,7 @@
                       </a:pPr>
                       <a:r>
                         <a:rPr lang="x-none"/>
-                        <a:t>GetMsg</a:t>
+                        <a:t>Add Comments</a:t>
                       </a:r>
                       <a:endParaRPr lang="x-none"/>
                     </a:p>
@@ -7819,7 +7899,7 @@
                       </a:pPr>
                       <a:r>
                         <a:rPr lang="x-none"/>
-                        <a:t>URL: /message/get</a:t>
+                        <a:t>URL: /item/addComments</a:t>
                       </a:r>
                       <a:endParaRPr lang="x-none"/>
                     </a:p>
@@ -7863,7 +7943,7 @@
                       </a:pPr>
                       <a:r>
                         <a:rPr lang="x-none"/>
-                        <a:t>token</a:t>
+                        <a:t>token, comments</a:t>
                       </a:r>
                       <a:endParaRPr lang="x-none"/>
                     </a:p>
@@ -7889,7 +7969,7 @@
                       </a:pPr>
                       <a:r>
                         <a:rPr lang="x-none"/>
-                        <a:t>Messages, status</a:t>
+                        <a:t>status</a:t>
                       </a:r>
                       <a:endParaRPr lang="x-none"/>
                     </a:p>
@@ -7906,80 +7986,110 @@
                         <a:buNone/>
                       </a:pPr>
                       <a:r>
-                        <a:rPr lang="x-none" sz="1600"/>
+                        <a:rPr lang="x-none"/>
                         <a:t>paramExample:</a:t>
                       </a:r>
-                      <a:endParaRPr lang="x-none" sz="1600"/>
-                    </a:p>
-                    <a:p>
-                      <a:pPr>
-                        <a:buNone/>
-                      </a:pPr>
-                      <a:r>
-                        <a:rPr lang="x-none" sz="1600"/>
+                      <a:endParaRPr lang="x-none"/>
+                    </a:p>
+                    <a:p>
+                      <a:pPr>
+                        <a:buNone/>
+                      </a:pPr>
+                      <a:r>
+                        <a:rPr lang="x-none"/>
                         <a:t>{</a:t>
                       </a:r>
-                      <a:endParaRPr lang="x-none" sz="1600"/>
-                    </a:p>
-                    <a:p>
-                      <a:pPr>
-                        <a:buNone/>
-                      </a:pPr>
-                      <a:r>
-                        <a:rPr lang="x-none" sz="1600"/>
+                      <a:endParaRPr lang="x-none"/>
+                    </a:p>
+                    <a:p>
+                      <a:pPr>
+                        <a:buNone/>
+                      </a:pPr>
+                      <a:r>
+                        <a:rPr lang="x-none"/>
                         <a:t>    "MataData":{</a:t>
                       </a:r>
-                      <a:endParaRPr lang="x-none" sz="1600"/>
-                    </a:p>
-                    <a:p>
-                      <a:pPr>
-                        <a:buNone/>
-                      </a:pPr>
-                      <a:r>
-                        <a:rPr lang="x-none" sz="1600"/>
+                      <a:endParaRPr lang="x-none"/>
+                    </a:p>
+                    <a:p>
+                      <a:pPr>
+                        <a:buNone/>
+                      </a:pPr>
+                      <a:r>
+                        <a:rPr lang="x-none"/>
                         <a:t>        "timestamp":"002313123904"</a:t>
                       </a:r>
-                      <a:endParaRPr lang="x-none" sz="1600"/>
-                    </a:p>
-                    <a:p>
-                      <a:pPr>
-                        <a:buNone/>
-                      </a:pPr>
-                      <a:r>
-                        <a:rPr lang="x-none" sz="1600"/>
+                      <a:endParaRPr lang="x-none"/>
+                    </a:p>
+                    <a:p>
+                      <a:pPr>
+                        <a:buNone/>
+                      </a:pPr>
+                      <a:r>
+                        <a:rPr lang="x-none"/>
                         <a:t>    },</a:t>
                       </a:r>
-                      <a:endParaRPr lang="x-none" sz="1600"/>
-                    </a:p>
-                    <a:p>
-                      <a:pPr>
-                        <a:buNone/>
-                      </a:pPr>
-                      <a:r>
-                        <a:rPr lang="x-none" sz="1600"/>
+                      <a:endParaRPr lang="x-none"/>
+                    </a:p>
+                    <a:p>
+                      <a:pPr>
+                        <a:buNone/>
+                      </a:pPr>
+                      <a:r>
+                        <a:rPr lang="x-none"/>
                         <a:t>    "token":"testToken",</a:t>
                       </a:r>
-                      <a:endParaRPr lang="x-none" sz="1600"/>
-                    </a:p>
-                    <a:p>
-                      <a:pPr>
-                        <a:buNone/>
-                      </a:pPr>
-                      <a:r>
-                        <a:rPr lang="x-none" sz="1600"/>
-                        <a:t>    "Item":"itemid"</a:t>
-                      </a:r>
-                      <a:endParaRPr lang="x-none" sz="1600"/>
-                    </a:p>
-                    <a:p>
-                      <a:pPr>
-                        <a:buNone/>
-                      </a:pPr>
-                      <a:r>
-                        <a:rPr lang="x-none" sz="1600"/>
+                      <a:endParaRPr lang="x-none"/>
+                    </a:p>
+                    <a:p>
+                      <a:pPr>
+                        <a:buNone/>
+                      </a:pPr>
+                      <a:r>
+                        <a:rPr lang="x-none"/>
+                        <a:t>    "ItemInfo":{</a:t>
+                      </a:r>
+                      <a:endParaRPr lang="x-none"/>
+                    </a:p>
+                    <a:p>
+                      <a:pPr>
+                        <a:buNone/>
+                      </a:pPr>
+                      <a:r>
+                        <a:rPr lang="x-none"/>
+                        <a:t>        "ItemID":"itemid",</a:t>
+                      </a:r>
+                      <a:endParaRPr lang="x-none"/>
+                    </a:p>
+                    <a:p>
+                      <a:pPr>
+                        <a:buNone/>
+                      </a:pPr>
+                      <a:r>
+                        <a:rPr lang="x-none"/>
+                        <a:t>        "Comments":["Comment 1","Comment 2"],</a:t>
+                      </a:r>
+                      <a:endParaRPr lang="x-none"/>
+                    </a:p>
+                    <a:p>
+                      <a:pPr>
+                        <a:buNone/>
+                      </a:pPr>
+                      <a:r>
+                        <a:rPr lang="x-none"/>
+                        <a:t>    }</a:t>
+                      </a:r>
+                      <a:endParaRPr lang="x-none"/>
+                    </a:p>
+                    <a:p>
+                      <a:pPr>
+                        <a:buNone/>
+                      </a:pPr>
+                      <a:r>
+                        <a:rPr lang="x-none"/>
                         <a:t>}</a:t>
                       </a:r>
-                      <a:endParaRPr lang="x-none" sz="1600"/>
+                      <a:endParaRPr lang="x-none"/>
                     </a:p>
                   </a:txBody>
                   <a:tcPr/>
@@ -7992,210 +8102,100 @@
                         <a:buNone/>
                       </a:pPr>
                       <a:r>
-                        <a:rPr lang="x-none" sz="1200"/>
+                        <a:rPr lang="x-none"/>
                         <a:t>returnExample:</a:t>
                       </a:r>
-                      <a:endParaRPr lang="x-none" sz="1200"/>
-                    </a:p>
-                    <a:p>
-                      <a:pPr>
-                        <a:buNone/>
-                      </a:pPr>
-                      <a:r>
-                        <a:rPr lang="x-none" sz="1200"/>
-                        <a:t>returnExample:</a:t>
-                      </a:r>
-                      <a:endParaRPr lang="x-none" sz="1200"/>
-                    </a:p>
-                    <a:p>
-                      <a:pPr>
-                        <a:buNone/>
-                      </a:pPr>
-                      <a:r>
-                        <a:rPr lang="x-none" sz="1200"/>
+                      <a:endParaRPr lang="x-none"/>
+                    </a:p>
+                    <a:p>
+                      <a:pPr>
+                        <a:buNone/>
+                      </a:pPr>
+                      <a:r>
+                        <a:rPr lang="x-none"/>
                         <a:t>{</a:t>
                       </a:r>
-                      <a:endParaRPr lang="x-none" sz="1200"/>
-                    </a:p>
-                    <a:p>
-                      <a:pPr>
-                        <a:buNone/>
-                      </a:pPr>
-                      <a:r>
-                        <a:rPr lang="x-none" sz="1200"/>
+                      <a:endParaRPr lang="x-none"/>
+                    </a:p>
+                    <a:p>
+                      <a:pPr>
+                        <a:buNone/>
+                      </a:pPr>
+                      <a:r>
+                        <a:rPr lang="x-none"/>
                         <a:t>    "MataData":{</a:t>
                       </a:r>
-                      <a:endParaRPr lang="x-none" sz="1200"/>
-                    </a:p>
-                    <a:p>
-                      <a:pPr>
-                        <a:buNone/>
-                      </a:pPr>
-                      <a:r>
-                        <a:rPr lang="x-none" sz="1200"/>
+                      <a:endParaRPr lang="x-none"/>
+                    </a:p>
+                    <a:p>
+                      <a:pPr>
+                        <a:buNone/>
+                      </a:pPr>
+                      <a:r>
+                        <a:rPr lang="x-none"/>
                         <a:t>        "timestamp":"002313123904"</a:t>
                       </a:r>
-                      <a:endParaRPr lang="x-none" sz="1200"/>
-                    </a:p>
-                    <a:p>
-                      <a:pPr>
-                        <a:buNone/>
-                      </a:pPr>
-                      <a:r>
-                        <a:rPr lang="x-none" sz="1200"/>
+                      <a:endParaRPr lang="x-none"/>
+                    </a:p>
+                    <a:p>
+                      <a:pPr>
+                        <a:buNone/>
+                      </a:pPr>
+                      <a:r>
+                        <a:rPr lang="x-none"/>
                         <a:t>    },</a:t>
                       </a:r>
-                      <a:endParaRPr lang="x-none" sz="1200"/>
-                    </a:p>
-                    <a:p>
-                      <a:pPr>
-                        <a:buNone/>
-                      </a:pPr>
-                      <a:r>
-                        <a:rPr lang="x-none" sz="1200"/>
-                        <a:t>    "Messages":[</a:t>
-                      </a:r>
-                      <a:endParaRPr lang="x-none" sz="1200"/>
-                    </a:p>
-                    <a:p>
-                      <a:pPr>
-                        <a:buNone/>
-                      </a:pPr>
-                      <a:r>
-                        <a:rPr lang="x-none" sz="1200"/>
-                        <a:t>        {</a:t>
-                      </a:r>
-                      <a:endParaRPr lang="x-none" sz="1200"/>
-                    </a:p>
-                    <a:p>
-                      <a:pPr>
-                        <a:buNone/>
-                      </a:pPr>
-                      <a:r>
-                        <a:rPr lang="x-none" sz="1200"/>
-                        <a:t>            "Text":"sample message 1",</a:t>
-                      </a:r>
-                      <a:endParaRPr lang="x-none" sz="1200"/>
-                    </a:p>
-                    <a:p>
-                      <a:pPr>
-                        <a:buNone/>
-                      </a:pPr>
-                      <a:r>
-                        <a:rPr lang="x-none" sz="1200"/>
-                        <a:t>            "Sender":"usrid1"</a:t>
-                      </a:r>
-                      <a:endParaRPr lang="x-none" sz="1200"/>
-                    </a:p>
-                    <a:p>
-                      <a:pPr>
-                        <a:buNone/>
-                      </a:pPr>
-                      <a:r>
-                        <a:rPr lang="x-none" sz="1200"/>
-                        <a:t>        },</a:t>
-                      </a:r>
-                      <a:endParaRPr lang="x-none" sz="1200"/>
-                    </a:p>
-                    <a:p>
-                      <a:pPr>
-                        <a:buNone/>
-                      </a:pPr>
-                      <a:r>
-                        <a:rPr lang="x-none" sz="1200"/>
-                        <a:t>        {</a:t>
-                      </a:r>
-                      <a:endParaRPr lang="x-none" sz="1200"/>
-                    </a:p>
-                    <a:p>
-                      <a:pPr>
-                        <a:buNone/>
-                      </a:pPr>
-                      <a:r>
-                        <a:rPr lang="x-none" sz="1200"/>
-                        <a:t>            "Text":"sample message 2",</a:t>
-                      </a:r>
-                      <a:endParaRPr lang="x-none" sz="1200"/>
-                    </a:p>
-                    <a:p>
-                      <a:pPr>
-                        <a:buNone/>
-                      </a:pPr>
-                      <a:r>
-                        <a:rPr lang="x-none" sz="1200"/>
-                        <a:t>            "Sender":"usrid2"</a:t>
-                      </a:r>
-                      <a:endParaRPr lang="x-none" sz="1200"/>
-                    </a:p>
-                    <a:p>
-                      <a:pPr>
-                        <a:buNone/>
-                      </a:pPr>
-                      <a:r>
-                        <a:rPr lang="x-none" sz="1200"/>
-                        <a:t>        }</a:t>
-                      </a:r>
-                      <a:endParaRPr lang="x-none" sz="1200"/>
-                    </a:p>
-                    <a:p>
-                      <a:pPr>
-                        <a:buNone/>
-                      </a:pPr>
-                      <a:r>
-                        <a:rPr lang="x-none" sz="1200"/>
-                        <a:t>    ],</a:t>
-                      </a:r>
-                      <a:endParaRPr lang="x-none" sz="1200"/>
-                    </a:p>
-                    <a:p>
-                      <a:pPr>
-                        <a:buNone/>
-                      </a:pPr>
-                      <a:r>
-                        <a:rPr lang="x-none" sz="1200"/>
+                      <a:endParaRPr lang="x-none"/>
+                    </a:p>
+                    <a:p>
+                      <a:pPr>
+                        <a:buNone/>
+                      </a:pPr>
+                      <a:r>
+                        <a:rPr lang="x-none"/>
                         <a:t>    "Status":{</a:t>
                       </a:r>
-                      <a:endParaRPr lang="x-none" sz="1200"/>
-                    </a:p>
-                    <a:p>
-                      <a:pPr>
-                        <a:buNone/>
-                      </a:pPr>
-                      <a:r>
-                        <a:rPr lang="x-none" sz="1200"/>
+                      <a:endParaRPr lang="x-none"/>
+                    </a:p>
+                    <a:p>
+                      <a:pPr>
+                        <a:buNone/>
+                      </a:pPr>
+                      <a:r>
+                        <a:rPr lang="x-none"/>
                         <a:t>        "StatusCode":"OK",</a:t>
                       </a:r>
-                      <a:endParaRPr lang="x-none" sz="1200"/>
-                    </a:p>
-                    <a:p>
-                      <a:pPr>
-                        <a:buNone/>
-                      </a:pPr>
-                      <a:r>
-                        <a:rPr lang="x-none" sz="1200"/>
+                      <a:endParaRPr lang="x-none"/>
+                    </a:p>
+                    <a:p>
+                      <a:pPr>
+                        <a:buNone/>
+                      </a:pPr>
+                      <a:r>
+                        <a:rPr lang="x-none"/>
                         <a:t>        "ErrorMsg":"None"</a:t>
                       </a:r>
-                      <a:endParaRPr lang="x-none" sz="1200"/>
-                    </a:p>
-                    <a:p>
-                      <a:pPr>
-                        <a:buNone/>
-                      </a:pPr>
-                      <a:r>
-                        <a:rPr lang="x-none" sz="1200"/>
+                      <a:endParaRPr lang="x-none"/>
+                    </a:p>
+                    <a:p>
+                      <a:pPr>
+                        <a:buNone/>
+                      </a:pPr>
+                      <a:r>
+                        <a:rPr lang="x-none"/>
                         <a:t>    }</a:t>
                       </a:r>
-                      <a:endParaRPr lang="x-none" sz="1200"/>
-                    </a:p>
-                    <a:p>
-                      <a:pPr>
-                        <a:buNone/>
-                      </a:pPr>
-                      <a:r>
-                        <a:rPr lang="x-none" sz="1200"/>
+                      <a:endParaRPr lang="x-none"/>
+                    </a:p>
+                    <a:p>
+                      <a:pPr>
+                        <a:buNone/>
+                      </a:pPr>
+                      <a:r>
+                        <a:rPr lang="x-none"/>
                         <a:t>}</a:t>
                       </a:r>
-                      <a:endParaRPr lang="x-none" sz="1200"/>
+                      <a:endParaRPr lang="x-none"/>
                     </a:p>
                   </a:txBody>
                   <a:tcPr/>
